--- a/ccn/randy_slides/oreilly_ccn_executive.pptx
+++ b/ccn/randy_slides/oreilly_ccn_executive.pptx
@@ -5,7 +5,7 @@
     <p:sldMasterId id="2147483648" r:id="rId1"/>
   </p:sldMasterIdLst>
   <p:notesMasterIdLst>
-    <p:notesMasterId r:id="rId23"/>
+    <p:notesMasterId r:id="rId27"/>
   </p:notesMasterIdLst>
   <p:sldIdLst>
     <p:sldId id="256" r:id="rId2"/>
@@ -25,10 +25,14 @@
     <p:sldId id="272" r:id="rId16"/>
     <p:sldId id="264" r:id="rId17"/>
     <p:sldId id="265" r:id="rId18"/>
-    <p:sldId id="278" r:id="rId19"/>
-    <p:sldId id="275" r:id="rId20"/>
-    <p:sldId id="280" r:id="rId21"/>
-    <p:sldId id="277" r:id="rId22"/>
+    <p:sldId id="293" r:id="rId19"/>
+    <p:sldId id="278" r:id="rId20"/>
+    <p:sldId id="275" r:id="rId21"/>
+    <p:sldId id="280" r:id="rId22"/>
+    <p:sldId id="294" r:id="rId23"/>
+    <p:sldId id="291" r:id="rId24"/>
+    <p:sldId id="284" r:id="rId25"/>
+    <p:sldId id="277" r:id="rId26"/>
   </p:sldIdLst>
   <p:sldSz cx="10077450" cy="7562850"/>
   <p:notesSz cx="7772400" cy="10058400"/>
@@ -197,6 +201,25 @@
       </a:defRPr>
     </a:lvl9pPr>
   </p:defaultTextStyle>
+  <p:extLst>
+    <p:ext uri="{EFAFB233-063F-42B5-8137-9DF3F51BA10A}">
+      <p15:sldGuideLst xmlns:p15="http://schemas.microsoft.com/office/powerpoint/2012/main">
+        <p15:guide id="1" orient="horz" pos="2382">
+          <p15:clr>
+            <a:srgbClr val="A4A3A4"/>
+          </p15:clr>
+        </p15:guide>
+        <p15:guide id="2" pos="3174">
+          <p15:clr>
+            <a:srgbClr val="A4A3A4"/>
+          </p15:clr>
+        </p15:guide>
+      </p15:sldGuideLst>
+    </p:ext>
+    <p:ext uri="{2D200454-40CA-4A62-9FC3-DE9A4176ACB9}">
+      <p15:notesGuideLst xmlns:p15="http://schemas.microsoft.com/office/powerpoint/2012/main"/>
+    </p:ext>
+  </p:extLst>
 </p:presentation>
 </file>
 
@@ -774,7 +797,7 @@
           </a:ln>
           <a:extLst>
             <a:ext uri="{AF507438-7753-43e0-B8FC-AC1667EBCBE1}">
-              <a14:hiddenEffects xmlns:a14="http://schemas.microsoft.com/office/drawing/2010/main">
+              <a14:hiddenEffects xmlns:a14="http://schemas.microsoft.com/office/drawing/2010/main" xmlns="">
                 <a:effectLst>
                   <a:outerShdw blurRad="63500" dist="38099" dir="2700000" algn="ctr" rotWithShape="0">
                     <a:srgbClr val="000000">
@@ -809,14 +832,14 @@
           <a:ln/>
           <a:extLst>
             <a:ext uri="{909E8E84-426E-40dd-AFC4-6F175D3DCCD1}">
-              <a14:hiddenFill xmlns:a14="http://schemas.microsoft.com/office/drawing/2010/main">
+              <a14:hiddenFill xmlns:a14="http://schemas.microsoft.com/office/drawing/2010/main" xmlns="">
                 <a:solidFill>
                   <a:srgbClr val="FFFFFF"/>
                 </a:solidFill>
               </a14:hiddenFill>
             </a:ext>
             <a:ext uri="{91240B29-F687-4f45-9708-019B960494DF}">
-              <a14:hiddenLine xmlns:a14="http://schemas.microsoft.com/office/drawing/2010/main" w="9525">
+              <a14:hiddenLine xmlns:a14="http://schemas.microsoft.com/office/drawing/2010/main" xmlns="" w="9525">
                 <a:solidFill>
                   <a:srgbClr val="000000"/>
                 </a:solidFill>
@@ -826,7 +849,7 @@
               </a14:hiddenLine>
             </a:ext>
             <a:ext uri="{AF507438-7753-43e0-B8FC-AC1667EBCBE1}">
-              <a14:hiddenEffects xmlns:a14="http://schemas.microsoft.com/office/drawing/2010/main">
+              <a14:hiddenEffects xmlns:a14="http://schemas.microsoft.com/office/drawing/2010/main" xmlns="">
                 <a:effectLst>
                   <a:outerShdw blurRad="63500" dist="38099" dir="2700000" algn="ctr" rotWithShape="0">
                     <a:srgbClr val="000000">
@@ -936,7 +959,7 @@
           </a:ln>
           <a:extLst>
             <a:ext uri="{AF507438-7753-43e0-B8FC-AC1667EBCBE1}">
-              <a14:hiddenEffects xmlns:a14="http://schemas.microsoft.com/office/drawing/2010/main">
+              <a14:hiddenEffects xmlns:a14="http://schemas.microsoft.com/office/drawing/2010/main" xmlns="">
                 <a:effectLst>
                   <a:outerShdw blurRad="63500" dist="38099" dir="2700000" algn="ctr" rotWithShape="0">
                     <a:srgbClr val="000000">
@@ -971,14 +994,14 @@
           <a:ln/>
           <a:extLst>
             <a:ext uri="{909E8E84-426E-40dd-AFC4-6F175D3DCCD1}">
-              <a14:hiddenFill xmlns:a14="http://schemas.microsoft.com/office/drawing/2010/main">
+              <a14:hiddenFill xmlns:a14="http://schemas.microsoft.com/office/drawing/2010/main" xmlns="">
                 <a:solidFill>
                   <a:srgbClr val="FFFFFF"/>
                 </a:solidFill>
               </a14:hiddenFill>
             </a:ext>
             <a:ext uri="{91240B29-F687-4f45-9708-019B960494DF}">
-              <a14:hiddenLine xmlns:a14="http://schemas.microsoft.com/office/drawing/2010/main" w="9525">
+              <a14:hiddenLine xmlns:a14="http://schemas.microsoft.com/office/drawing/2010/main" xmlns="" w="9525">
                 <a:solidFill>
                   <a:srgbClr val="000000"/>
                 </a:solidFill>
@@ -988,7 +1011,7 @@
               </a14:hiddenLine>
             </a:ext>
             <a:ext uri="{AF507438-7753-43e0-B8FC-AC1667EBCBE1}">
-              <a14:hiddenEffects xmlns:a14="http://schemas.microsoft.com/office/drawing/2010/main">
+              <a14:hiddenEffects xmlns:a14="http://schemas.microsoft.com/office/drawing/2010/main" xmlns="">
                 <a:effectLst>
                   <a:outerShdw blurRad="63500" dist="38099" dir="2700000" algn="ctr" rotWithShape="0">
                     <a:srgbClr val="000000">
@@ -1098,7 +1121,7 @@
           </a:ln>
           <a:extLst>
             <a:ext uri="{AF507438-7753-43e0-B8FC-AC1667EBCBE1}">
-              <a14:hiddenEffects xmlns:a14="http://schemas.microsoft.com/office/drawing/2010/main">
+              <a14:hiddenEffects xmlns:a14="http://schemas.microsoft.com/office/drawing/2010/main" xmlns="">
                 <a:effectLst>
                   <a:outerShdw blurRad="63500" dist="38099" dir="2700000" algn="ctr" rotWithShape="0">
                     <a:srgbClr val="000000">
@@ -1133,14 +1156,14 @@
           <a:ln/>
           <a:extLst>
             <a:ext uri="{909E8E84-426E-40dd-AFC4-6F175D3DCCD1}">
-              <a14:hiddenFill xmlns:a14="http://schemas.microsoft.com/office/drawing/2010/main">
+              <a14:hiddenFill xmlns:a14="http://schemas.microsoft.com/office/drawing/2010/main" xmlns="">
                 <a:solidFill>
                   <a:srgbClr val="FFFFFF"/>
                 </a:solidFill>
               </a14:hiddenFill>
             </a:ext>
             <a:ext uri="{91240B29-F687-4f45-9708-019B960494DF}">
-              <a14:hiddenLine xmlns:a14="http://schemas.microsoft.com/office/drawing/2010/main" w="9525">
+              <a14:hiddenLine xmlns:a14="http://schemas.microsoft.com/office/drawing/2010/main" xmlns="" w="9525">
                 <a:solidFill>
                   <a:srgbClr val="000000"/>
                 </a:solidFill>
@@ -1150,7 +1173,7 @@
               </a14:hiddenLine>
             </a:ext>
             <a:ext uri="{AF507438-7753-43e0-B8FC-AC1667EBCBE1}">
-              <a14:hiddenEffects xmlns:a14="http://schemas.microsoft.com/office/drawing/2010/main">
+              <a14:hiddenEffects xmlns:a14="http://schemas.microsoft.com/office/drawing/2010/main" xmlns="">
                 <a:effectLst>
                   <a:outerShdw blurRad="63500" dist="38099" dir="2700000" algn="ctr" rotWithShape="0">
                     <a:srgbClr val="000000">
@@ -1260,7 +1283,7 @@
           </a:ln>
           <a:extLst>
             <a:ext uri="{AF507438-7753-43e0-B8FC-AC1667EBCBE1}">
-              <a14:hiddenEffects xmlns:a14="http://schemas.microsoft.com/office/drawing/2010/main">
+              <a14:hiddenEffects xmlns:a14="http://schemas.microsoft.com/office/drawing/2010/main" xmlns="">
                 <a:effectLst>
                   <a:outerShdw blurRad="63500" dist="38099" dir="2700000" algn="ctr" rotWithShape="0">
                     <a:srgbClr val="000000">
@@ -1295,14 +1318,14 @@
           <a:ln/>
           <a:extLst>
             <a:ext uri="{909E8E84-426E-40dd-AFC4-6F175D3DCCD1}">
-              <a14:hiddenFill xmlns:a14="http://schemas.microsoft.com/office/drawing/2010/main">
+              <a14:hiddenFill xmlns:a14="http://schemas.microsoft.com/office/drawing/2010/main" xmlns="">
                 <a:solidFill>
                   <a:srgbClr val="FFFFFF"/>
                 </a:solidFill>
               </a14:hiddenFill>
             </a:ext>
             <a:ext uri="{91240B29-F687-4f45-9708-019B960494DF}">
-              <a14:hiddenLine xmlns:a14="http://schemas.microsoft.com/office/drawing/2010/main" w="9525">
+              <a14:hiddenLine xmlns:a14="http://schemas.microsoft.com/office/drawing/2010/main" xmlns="" w="9525">
                 <a:solidFill>
                   <a:srgbClr val="000000"/>
                 </a:solidFill>
@@ -1312,7 +1335,7 @@
               </a14:hiddenLine>
             </a:ext>
             <a:ext uri="{AF507438-7753-43e0-B8FC-AC1667EBCBE1}">
-              <a14:hiddenEffects xmlns:a14="http://schemas.microsoft.com/office/drawing/2010/main">
+              <a14:hiddenEffects xmlns:a14="http://schemas.microsoft.com/office/drawing/2010/main" xmlns="">
                 <a:effectLst>
                   <a:outerShdw blurRad="63500" dist="38099" dir="2700000" algn="ctr" rotWithShape="0">
                     <a:srgbClr val="000000">
@@ -1333,6 +1356,405 @@
         </p:txBody>
       </p:sp>
     </p:spTree>
+  </p:cSld>
+  <p:clrMapOvr>
+    <a:masterClrMapping/>
+  </p:clrMapOvr>
+</p:notes>
+</file>
+
+<file path=ppt/notesSlides/notesSlide5.xml><?xml version="1.0" encoding="utf-8"?>
+<p:notes xmlns:a="http://schemas.openxmlformats.org/drawingml/2006/main" xmlns:r="http://schemas.openxmlformats.org/officeDocument/2006/relationships" xmlns:p="http://schemas.openxmlformats.org/presentationml/2006/main">
+  <p:cSld>
+    <p:spTree>
+      <p:nvGrpSpPr>
+        <p:cNvPr id="1" name=""/>
+        <p:cNvGrpSpPr/>
+        <p:nvPr/>
+      </p:nvGrpSpPr>
+      <p:grpSpPr>
+        <a:xfrm>
+          <a:off x="0" y="0"/>
+          <a:ext cx="0" cy="0"/>
+          <a:chOff x="0" y="0"/>
+          <a:chExt cx="0" cy="0"/>
+        </a:xfrm>
+      </p:grpSpPr>
+      <p:sp>
+        <p:nvSpPr>
+          <p:cNvPr id="2" name="Slide Image Placeholder 1"/>
+          <p:cNvSpPr>
+            <a:spLocks noGrp="1" noRot="1" noChangeAspect="1"/>
+          </p:cNvSpPr>
+          <p:nvPr>
+            <p:ph type="sldImg"/>
+          </p:nvPr>
+        </p:nvSpPr>
+        <p:spPr/>
+      </p:sp>
+      <p:sp>
+        <p:nvSpPr>
+          <p:cNvPr id="3" name="Notes Placeholder 2"/>
+          <p:cNvSpPr>
+            <a:spLocks noGrp="1"/>
+          </p:cNvSpPr>
+          <p:nvPr>
+            <p:ph type="body" idx="1"/>
+          </p:nvPr>
+        </p:nvSpPr>
+        <p:spPr/>
+        <p:txBody>
+          <a:bodyPr/>
+          <a:lstStyle/>
+          <a:p>
+            <a:r>
+              <a:rPr lang="en-US" dirty="0"/>
+              <a:t>Updating – you are putting the letters in working memory &amp; updating as different letters come along</a:t>
+            </a:r>
+          </a:p>
+          <a:p>
+            <a:r>
+              <a:rPr lang="en-US" dirty="0"/>
+              <a:t>Shifting: You are switching between the relevant</a:t>
+            </a:r>
+            <a:r>
+              <a:rPr lang="en-US" baseline="0" dirty="0"/>
+              <a:t> rule (color or shape)</a:t>
+            </a:r>
+          </a:p>
+          <a:p>
+            <a:r>
+              <a:rPr lang="en-US" baseline="0" dirty="0"/>
+              <a:t>Inhibition: You want to look for the arrow on the opposite side that is being cued- this involves inhibiting your “automatic” response to look places when cued</a:t>
+            </a:r>
+            <a:endParaRPr lang="en-US" dirty="0"/>
+          </a:p>
+        </p:txBody>
+      </p:sp>
+      <p:sp>
+        <p:nvSpPr>
+          <p:cNvPr id="4" name="Slide Number Placeholder 3"/>
+          <p:cNvSpPr>
+            <a:spLocks noGrp="1"/>
+          </p:cNvSpPr>
+          <p:nvPr>
+            <p:ph type="sldNum" idx="10"/>
+          </p:nvPr>
+        </p:nvSpPr>
+        <p:spPr/>
+        <p:txBody>
+          <a:bodyPr/>
+          <a:lstStyle/>
+          <a:p>
+            <a:fld id="{47050F4D-C8E8-3F4B-A05D-07E398CC0A55}" type="slidenum">
+              <a:rPr lang="en-US" smtClean="0"/>
+              <a:pPr/>
+              <a:t>18</a:t>
+            </a:fld>
+            <a:endParaRPr lang="en-US"/>
+          </a:p>
+        </p:txBody>
+      </p:sp>
+    </p:spTree>
+    <p:extLst>
+      <p:ext uri="{BB962C8B-B14F-4D97-AF65-F5344CB8AC3E}">
+        <p14:creationId xmlns:p14="http://schemas.microsoft.com/office/powerpoint/2010/main" val="3461491259"/>
+      </p:ext>
+    </p:extLst>
+  </p:cSld>
+  <p:clrMapOvr>
+    <a:masterClrMapping/>
+  </p:clrMapOvr>
+</p:notes>
+</file>
+
+<file path=ppt/notesSlides/notesSlide6.xml><?xml version="1.0" encoding="utf-8"?>
+<p:notes xmlns:a="http://schemas.openxmlformats.org/drawingml/2006/main" xmlns:r="http://schemas.openxmlformats.org/officeDocument/2006/relationships" xmlns:p="http://schemas.openxmlformats.org/presentationml/2006/main">
+  <p:cSld>
+    <p:spTree>
+      <p:nvGrpSpPr>
+        <p:cNvPr id="1" name=""/>
+        <p:cNvGrpSpPr/>
+        <p:nvPr/>
+      </p:nvGrpSpPr>
+      <p:grpSpPr>
+        <a:xfrm>
+          <a:off x="0" y="0"/>
+          <a:ext cx="0" cy="0"/>
+          <a:chOff x="0" y="0"/>
+          <a:chExt cx="0" cy="0"/>
+        </a:xfrm>
+      </p:grpSpPr>
+      <p:sp>
+        <p:nvSpPr>
+          <p:cNvPr id="2" name="Slide Image Placeholder 1"/>
+          <p:cNvSpPr>
+            <a:spLocks noGrp="1" noRot="1" noChangeAspect="1"/>
+          </p:cNvSpPr>
+          <p:nvPr>
+            <p:ph type="sldImg"/>
+          </p:nvPr>
+        </p:nvSpPr>
+        <p:spPr/>
+      </p:sp>
+      <p:sp>
+        <p:nvSpPr>
+          <p:cNvPr id="3" name="Notes Placeholder 2"/>
+          <p:cNvSpPr>
+            <a:spLocks noGrp="1"/>
+          </p:cNvSpPr>
+          <p:nvPr>
+            <p:ph type="body" idx="1"/>
+          </p:nvPr>
+        </p:nvSpPr>
+        <p:spPr/>
+        <p:txBody>
+          <a:bodyPr/>
+          <a:lstStyle/>
+          <a:p>
+            <a:r>
+              <a:rPr lang="en-US" dirty="0"/>
+              <a:t>The prefrontal cortex (also called neocortex), is </a:t>
+            </a:r>
+            <a:r>
+              <a:rPr lang="en-US" baseline="0" dirty="0"/>
+              <a:t>most developed in humans. In the graphic below, you can see that monkeys, especially chimpanzees and gorillas also have a prefrontal cortex</a:t>
+            </a:r>
+            <a:endParaRPr lang="en-US" dirty="0"/>
+          </a:p>
+        </p:txBody>
+      </p:sp>
+      <p:sp>
+        <p:nvSpPr>
+          <p:cNvPr id="4" name="Slide Number Placeholder 3"/>
+          <p:cNvSpPr>
+            <a:spLocks noGrp="1"/>
+          </p:cNvSpPr>
+          <p:nvPr>
+            <p:ph type="sldNum" idx="10"/>
+          </p:nvPr>
+        </p:nvSpPr>
+        <p:spPr/>
+        <p:txBody>
+          <a:bodyPr/>
+          <a:lstStyle/>
+          <a:p>
+            <a:fld id="{47050F4D-C8E8-3F4B-A05D-07E398CC0A55}" type="slidenum">
+              <a:rPr lang="en-US" smtClean="0"/>
+              <a:pPr/>
+              <a:t>22</a:t>
+            </a:fld>
+            <a:endParaRPr lang="en-US"/>
+          </a:p>
+        </p:txBody>
+      </p:sp>
+    </p:spTree>
+    <p:extLst>
+      <p:ext uri="{BB962C8B-B14F-4D97-AF65-F5344CB8AC3E}">
+        <p14:creationId xmlns:p14="http://schemas.microsoft.com/office/powerpoint/2010/main" val="570898633"/>
+      </p:ext>
+    </p:extLst>
+  </p:cSld>
+  <p:clrMapOvr>
+    <a:masterClrMapping/>
+  </p:clrMapOvr>
+</p:notes>
+</file>
+
+<file path=ppt/notesSlides/notesSlide7.xml><?xml version="1.0" encoding="utf-8"?>
+<p:notes xmlns:a="http://schemas.openxmlformats.org/drawingml/2006/main" xmlns:r="http://schemas.openxmlformats.org/officeDocument/2006/relationships" xmlns:p="http://schemas.openxmlformats.org/presentationml/2006/main">
+  <p:cSld>
+    <p:spTree>
+      <p:nvGrpSpPr>
+        <p:cNvPr id="1" name=""/>
+        <p:cNvGrpSpPr/>
+        <p:nvPr/>
+      </p:nvGrpSpPr>
+      <p:grpSpPr>
+        <a:xfrm>
+          <a:off x="0" y="0"/>
+          <a:ext cx="0" cy="0"/>
+          <a:chOff x="0" y="0"/>
+          <a:chExt cx="0" cy="0"/>
+        </a:xfrm>
+      </p:grpSpPr>
+      <p:sp>
+        <p:nvSpPr>
+          <p:cNvPr id="2" name="Slide Image Placeholder 1"/>
+          <p:cNvSpPr>
+            <a:spLocks noGrp="1" noRot="1" noChangeAspect="1"/>
+          </p:cNvSpPr>
+          <p:nvPr>
+            <p:ph type="sldImg"/>
+          </p:nvPr>
+        </p:nvSpPr>
+        <p:spPr/>
+      </p:sp>
+      <p:sp>
+        <p:nvSpPr>
+          <p:cNvPr id="3" name="Notes Placeholder 2"/>
+          <p:cNvSpPr>
+            <a:spLocks noGrp="1"/>
+          </p:cNvSpPr>
+          <p:nvPr>
+            <p:ph type="body" idx="1"/>
+          </p:nvPr>
+        </p:nvSpPr>
+        <p:spPr/>
+        <p:txBody>
+          <a:bodyPr/>
+          <a:lstStyle/>
+          <a:p>
+            <a:r>
+              <a:rPr lang="en-US" dirty="0"/>
+              <a:t>http://</a:t>
+            </a:r>
+            <a:r>
+              <a:rPr lang="en-US" dirty="0" err="1"/>
+              <a:t>link.springer.com</a:t>
+            </a:r>
+            <a:r>
+              <a:rPr lang="en-US" dirty="0"/>
+              <a:t>/article/10.1007/s11065-007-9040-z</a:t>
+            </a:r>
+          </a:p>
+        </p:txBody>
+      </p:sp>
+      <p:sp>
+        <p:nvSpPr>
+          <p:cNvPr id="4" name="Slide Number Placeholder 3"/>
+          <p:cNvSpPr>
+            <a:spLocks noGrp="1"/>
+          </p:cNvSpPr>
+          <p:nvPr>
+            <p:ph type="sldNum" idx="10"/>
+          </p:nvPr>
+        </p:nvSpPr>
+        <p:spPr/>
+        <p:txBody>
+          <a:bodyPr/>
+          <a:lstStyle/>
+          <a:p>
+            <a:fld id="{47050F4D-C8E8-3F4B-A05D-07E398CC0A55}" type="slidenum">
+              <a:rPr lang="en-US" smtClean="0"/>
+              <a:pPr/>
+              <a:t>23</a:t>
+            </a:fld>
+            <a:endParaRPr lang="en-US"/>
+          </a:p>
+        </p:txBody>
+      </p:sp>
+    </p:spTree>
+    <p:extLst>
+      <p:ext uri="{BB962C8B-B14F-4D97-AF65-F5344CB8AC3E}">
+        <p14:creationId xmlns:p14="http://schemas.microsoft.com/office/powerpoint/2010/main" val="2487604578"/>
+      </p:ext>
+    </p:extLst>
+  </p:cSld>
+  <p:clrMapOvr>
+    <a:masterClrMapping/>
+  </p:clrMapOvr>
+</p:notes>
+</file>
+
+<file path=ppt/notesSlides/notesSlide8.xml><?xml version="1.0" encoding="utf-8"?>
+<p:notes xmlns:a="http://schemas.openxmlformats.org/drawingml/2006/main" xmlns:r="http://schemas.openxmlformats.org/officeDocument/2006/relationships" xmlns:p="http://schemas.openxmlformats.org/presentationml/2006/main">
+  <p:cSld>
+    <p:spTree>
+      <p:nvGrpSpPr>
+        <p:cNvPr id="1" name=""/>
+        <p:cNvGrpSpPr/>
+        <p:nvPr/>
+      </p:nvGrpSpPr>
+      <p:grpSpPr>
+        <a:xfrm>
+          <a:off x="0" y="0"/>
+          <a:ext cx="0" cy="0"/>
+          <a:chOff x="0" y="0"/>
+          <a:chExt cx="0" cy="0"/>
+        </a:xfrm>
+      </p:grpSpPr>
+      <p:sp>
+        <p:nvSpPr>
+          <p:cNvPr id="2" name="Slide Image Placeholder 1"/>
+          <p:cNvSpPr>
+            <a:spLocks noGrp="1" noRot="1" noChangeAspect="1"/>
+          </p:cNvSpPr>
+          <p:nvPr>
+            <p:ph type="sldImg"/>
+          </p:nvPr>
+        </p:nvSpPr>
+        <p:spPr/>
+      </p:sp>
+      <p:sp>
+        <p:nvSpPr>
+          <p:cNvPr id="3" name="Notes Placeholder 2"/>
+          <p:cNvSpPr>
+            <a:spLocks noGrp="1"/>
+          </p:cNvSpPr>
+          <p:nvPr>
+            <p:ph type="body" idx="1"/>
+          </p:nvPr>
+        </p:nvSpPr>
+        <p:spPr/>
+        <p:txBody>
+          <a:bodyPr/>
+          <a:lstStyle/>
+          <a:p>
+            <a:r>
+              <a:rPr lang="en-US" dirty="0"/>
+              <a:t>In this</a:t>
+            </a:r>
+            <a:r>
+              <a:rPr lang="en-US" baseline="0" dirty="0"/>
+              <a:t> “factor” analysis, they compared performance of several updating and shifting tasks to find out what abilities were shared among them</a:t>
+            </a:r>
+          </a:p>
+          <a:p>
+            <a:r>
+              <a:rPr lang="en-US" baseline="0" dirty="0"/>
+              <a:t>They found a “common” EF ability that correlated with the ability to do all of these tasks, as well as specific updating and shifting abilities that were specific to those types of tasks</a:t>
+            </a:r>
+          </a:p>
+          <a:p>
+            <a:r>
+              <a:rPr lang="en-US" baseline="0" dirty="0"/>
+              <a:t>Inhibition was not a specific factor, but correlated with common EF</a:t>
+            </a:r>
+            <a:endParaRPr lang="en-US" dirty="0"/>
+          </a:p>
+        </p:txBody>
+      </p:sp>
+      <p:sp>
+        <p:nvSpPr>
+          <p:cNvPr id="4" name="Slide Number Placeholder 3"/>
+          <p:cNvSpPr>
+            <a:spLocks noGrp="1"/>
+          </p:cNvSpPr>
+          <p:nvPr>
+            <p:ph type="sldNum" idx="10"/>
+          </p:nvPr>
+        </p:nvSpPr>
+        <p:spPr/>
+        <p:txBody>
+          <a:bodyPr/>
+          <a:lstStyle/>
+          <a:p>
+            <a:fld id="{47050F4D-C8E8-3F4B-A05D-07E398CC0A55}" type="slidenum">
+              <a:rPr lang="en-US" smtClean="0"/>
+              <a:pPr/>
+              <a:t>24</a:t>
+            </a:fld>
+            <a:endParaRPr lang="en-US"/>
+          </a:p>
+        </p:txBody>
+      </p:sp>
+    </p:spTree>
+    <p:extLst>
+      <p:ext uri="{BB962C8B-B14F-4D97-AF65-F5344CB8AC3E}">
+        <p14:creationId xmlns:p14="http://schemas.microsoft.com/office/powerpoint/2010/main" val="1717198317"/>
+      </p:ext>
+    </p:extLst>
   </p:cSld>
   <p:clrMapOvr>
     <a:masterClrMapping/>
@@ -1378,10 +1800,9 @@
           <a:lstStyle/>
           <a:p>
             <a:r>
-              <a:rPr lang="en-US" smtClean="0"/>
+              <a:rPr lang="en-US"/>
               <a:t>Click to edit Master title style</a:t>
             </a:r>
-            <a:endParaRPr lang="en-US"/>
           </a:p>
         </p:txBody>
       </p:sp>
@@ -1443,10 +1864,9 @@
           </a:lstStyle>
           <a:p>
             <a:r>
-              <a:rPr lang="en-US" smtClean="0"/>
+              <a:rPr lang="en-US"/>
               <a:t>Click to edit Master subtitle style</a:t>
             </a:r>
-            <a:endParaRPr lang="en-US"/>
           </a:p>
         </p:txBody>
       </p:sp>
@@ -1565,10 +1985,9 @@
           <a:lstStyle/>
           <a:p>
             <a:r>
-              <a:rPr lang="en-US" smtClean="0"/>
+              <a:rPr lang="en-US"/>
               <a:t>Click to edit Master title style</a:t>
             </a:r>
-            <a:endParaRPr lang="en-US"/>
           </a:p>
         </p:txBody>
       </p:sp>
@@ -1589,38 +2008,37 @@
           <a:p>
             <a:pPr lvl="0"/>
             <a:r>
-              <a:rPr lang="en-US" smtClean="0"/>
+              <a:rPr lang="en-US"/>
               <a:t>Click to edit Master text styles</a:t>
             </a:r>
           </a:p>
           <a:p>
             <a:pPr lvl="1"/>
             <a:r>
-              <a:rPr lang="en-US" smtClean="0"/>
+              <a:rPr lang="en-US"/>
               <a:t>Second level</a:t>
             </a:r>
           </a:p>
           <a:p>
             <a:pPr lvl="2"/>
             <a:r>
-              <a:rPr lang="en-US" smtClean="0"/>
+              <a:rPr lang="en-US"/>
               <a:t>Third level</a:t>
             </a:r>
           </a:p>
           <a:p>
             <a:pPr lvl="3"/>
             <a:r>
-              <a:rPr lang="en-US" smtClean="0"/>
+              <a:rPr lang="en-US"/>
               <a:t>Fourth level</a:t>
             </a:r>
           </a:p>
           <a:p>
             <a:pPr lvl="4"/>
             <a:r>
-              <a:rPr lang="en-US" smtClean="0"/>
+              <a:rPr lang="en-US"/>
               <a:t>Fifth level</a:t>
             </a:r>
-            <a:endParaRPr lang="en-US"/>
           </a:p>
         </p:txBody>
       </p:sp>
@@ -1744,10 +2162,9 @@
           <a:lstStyle/>
           <a:p>
             <a:r>
-              <a:rPr lang="en-US" smtClean="0"/>
+              <a:rPr lang="en-US"/>
               <a:t>Click to edit Master title style</a:t>
             </a:r>
-            <a:endParaRPr lang="en-US"/>
           </a:p>
         </p:txBody>
       </p:sp>
@@ -1773,38 +2190,37 @@
           <a:p>
             <a:pPr lvl="0"/>
             <a:r>
-              <a:rPr lang="en-US" smtClean="0"/>
+              <a:rPr lang="en-US"/>
               <a:t>Click to edit Master text styles</a:t>
             </a:r>
           </a:p>
           <a:p>
             <a:pPr lvl="1"/>
             <a:r>
-              <a:rPr lang="en-US" smtClean="0"/>
+              <a:rPr lang="en-US"/>
               <a:t>Second level</a:t>
             </a:r>
           </a:p>
           <a:p>
             <a:pPr lvl="2"/>
             <a:r>
-              <a:rPr lang="en-US" smtClean="0"/>
+              <a:rPr lang="en-US"/>
               <a:t>Third level</a:t>
             </a:r>
           </a:p>
           <a:p>
             <a:pPr lvl="3"/>
             <a:r>
-              <a:rPr lang="en-US" smtClean="0"/>
+              <a:rPr lang="en-US"/>
               <a:t>Fourth level</a:t>
             </a:r>
           </a:p>
           <a:p>
             <a:pPr lvl="4"/>
             <a:r>
-              <a:rPr lang="en-US" smtClean="0"/>
+              <a:rPr lang="en-US"/>
               <a:t>Fifth level</a:t>
             </a:r>
-            <a:endParaRPr lang="en-US"/>
           </a:p>
         </p:txBody>
       </p:sp>
@@ -1928,10 +2344,9 @@
           <a:lstStyle/>
           <a:p>
             <a:r>
-              <a:rPr lang="en-US" smtClean="0"/>
+              <a:rPr lang="en-US"/>
               <a:t>Click to edit Master title style</a:t>
             </a:r>
-            <a:endParaRPr lang="en-US"/>
           </a:p>
         </p:txBody>
       </p:sp>
@@ -1981,38 +2396,37 @@
           <a:p>
             <a:pPr lvl="0"/>
             <a:r>
-              <a:rPr lang="en-US" smtClean="0"/>
+              <a:rPr lang="en-US"/>
               <a:t>Click to edit Master text styles</a:t>
             </a:r>
           </a:p>
           <a:p>
             <a:pPr lvl="1"/>
             <a:r>
-              <a:rPr lang="en-US" smtClean="0"/>
+              <a:rPr lang="en-US"/>
               <a:t>Second level</a:t>
             </a:r>
           </a:p>
           <a:p>
             <a:pPr lvl="2"/>
             <a:r>
-              <a:rPr lang="en-US" smtClean="0"/>
+              <a:rPr lang="en-US"/>
               <a:t>Third level</a:t>
             </a:r>
           </a:p>
           <a:p>
             <a:pPr lvl="3"/>
             <a:r>
-              <a:rPr lang="en-US" smtClean="0"/>
+              <a:rPr lang="en-US"/>
               <a:t>Fourth level</a:t>
             </a:r>
           </a:p>
           <a:p>
             <a:pPr lvl="4"/>
             <a:r>
-              <a:rPr lang="en-US" smtClean="0"/>
+              <a:rPr lang="en-US"/>
               <a:t>Fifth level</a:t>
             </a:r>
-            <a:endParaRPr lang="en-US"/>
           </a:p>
         </p:txBody>
       </p:sp>
@@ -2156,10 +2570,9 @@
           <a:lstStyle/>
           <a:p>
             <a:r>
-              <a:rPr lang="en-US" smtClean="0"/>
+              <a:rPr lang="en-US"/>
               <a:t>Click to edit Master title style</a:t>
             </a:r>
-            <a:endParaRPr lang="en-US"/>
           </a:p>
         </p:txBody>
       </p:sp>
@@ -2185,38 +2598,37 @@
           <a:p>
             <a:pPr lvl="0"/>
             <a:r>
-              <a:rPr lang="en-US" smtClean="0"/>
+              <a:rPr lang="en-US"/>
               <a:t>Click to edit Master text styles</a:t>
             </a:r>
           </a:p>
           <a:p>
             <a:pPr lvl="1"/>
             <a:r>
-              <a:rPr lang="en-US" smtClean="0"/>
+              <a:rPr lang="en-US"/>
               <a:t>Second level</a:t>
             </a:r>
           </a:p>
           <a:p>
             <a:pPr lvl="2"/>
             <a:r>
-              <a:rPr lang="en-US" smtClean="0"/>
+              <a:rPr lang="en-US"/>
               <a:t>Third level</a:t>
             </a:r>
           </a:p>
           <a:p>
             <a:pPr lvl="3"/>
             <a:r>
-              <a:rPr lang="en-US" smtClean="0"/>
+              <a:rPr lang="en-US"/>
               <a:t>Fourth level</a:t>
             </a:r>
           </a:p>
           <a:p>
             <a:pPr lvl="4"/>
             <a:r>
-              <a:rPr lang="en-US" smtClean="0"/>
+              <a:rPr lang="en-US"/>
               <a:t>Fifth level</a:t>
             </a:r>
-            <a:endParaRPr lang="en-US"/>
           </a:p>
         </p:txBody>
       </p:sp>
@@ -2379,10 +2791,9 @@
           <a:lstStyle/>
           <a:p>
             <a:r>
-              <a:rPr lang="en-US" smtClean="0"/>
+              <a:rPr lang="en-US"/>
               <a:t>Click to edit Master title style</a:t>
             </a:r>
-            <a:endParaRPr lang="en-US"/>
           </a:p>
         </p:txBody>
       </p:sp>
@@ -2403,38 +2814,37 @@
           <a:p>
             <a:pPr lvl="0"/>
             <a:r>
-              <a:rPr lang="en-US" smtClean="0"/>
+              <a:rPr lang="en-US"/>
               <a:t>Click to edit Master text styles</a:t>
             </a:r>
           </a:p>
           <a:p>
             <a:pPr lvl="1"/>
             <a:r>
-              <a:rPr lang="en-US" smtClean="0"/>
+              <a:rPr lang="en-US"/>
               <a:t>Second level</a:t>
             </a:r>
           </a:p>
           <a:p>
             <a:pPr lvl="2"/>
             <a:r>
-              <a:rPr lang="en-US" smtClean="0"/>
+              <a:rPr lang="en-US"/>
               <a:t>Third level</a:t>
             </a:r>
           </a:p>
           <a:p>
             <a:pPr lvl="3"/>
             <a:r>
-              <a:rPr lang="en-US" smtClean="0"/>
+              <a:rPr lang="en-US"/>
               <a:t>Fourth level</a:t>
             </a:r>
           </a:p>
           <a:p>
             <a:pPr lvl="4"/>
             <a:r>
-              <a:rPr lang="en-US" smtClean="0"/>
+              <a:rPr lang="en-US"/>
               <a:t>Fifth level</a:t>
             </a:r>
-            <a:endParaRPr lang="en-US"/>
           </a:p>
         </p:txBody>
       </p:sp>
@@ -2562,10 +2972,9 @@
           </a:lstStyle>
           <a:p>
             <a:r>
-              <a:rPr lang="en-US" smtClean="0"/>
+              <a:rPr lang="en-US"/>
               <a:t>Click to edit Master title style</a:t>
             </a:r>
-            <a:endParaRPr lang="en-US"/>
           </a:p>
         </p:txBody>
       </p:sp>
@@ -2628,7 +3037,7 @@
           <a:p>
             <a:pPr lvl="0"/>
             <a:r>
-              <a:rPr lang="en-US" smtClean="0"/>
+              <a:rPr lang="en-US"/>
               <a:t>Click to edit Master text styles</a:t>
             </a:r>
           </a:p>
@@ -2749,10 +3158,9 @@
           <a:lstStyle/>
           <a:p>
             <a:r>
-              <a:rPr lang="en-US" smtClean="0"/>
+              <a:rPr lang="en-US"/>
               <a:t>Click to edit Master title style</a:t>
             </a:r>
-            <a:endParaRPr lang="en-US"/>
           </a:p>
         </p:txBody>
       </p:sp>
@@ -2806,38 +3214,37 @@
           <a:p>
             <a:pPr lvl="0"/>
             <a:r>
-              <a:rPr lang="en-US" smtClean="0"/>
+              <a:rPr lang="en-US"/>
               <a:t>Click to edit Master text styles</a:t>
             </a:r>
           </a:p>
           <a:p>
             <a:pPr lvl="1"/>
             <a:r>
-              <a:rPr lang="en-US" smtClean="0"/>
+              <a:rPr lang="en-US"/>
               <a:t>Second level</a:t>
             </a:r>
           </a:p>
           <a:p>
             <a:pPr lvl="2"/>
             <a:r>
-              <a:rPr lang="en-US" smtClean="0"/>
+              <a:rPr lang="en-US"/>
               <a:t>Third level</a:t>
             </a:r>
           </a:p>
           <a:p>
             <a:pPr lvl="3"/>
             <a:r>
-              <a:rPr lang="en-US" smtClean="0"/>
+              <a:rPr lang="en-US"/>
               <a:t>Fourth level</a:t>
             </a:r>
           </a:p>
           <a:p>
             <a:pPr lvl="4"/>
             <a:r>
-              <a:rPr lang="en-US" smtClean="0"/>
+              <a:rPr lang="en-US"/>
               <a:t>Fifth level</a:t>
             </a:r>
-            <a:endParaRPr lang="en-US"/>
           </a:p>
         </p:txBody>
       </p:sp>
@@ -2891,38 +3298,37 @@
           <a:p>
             <a:pPr lvl="0"/>
             <a:r>
-              <a:rPr lang="en-US" smtClean="0"/>
+              <a:rPr lang="en-US"/>
               <a:t>Click to edit Master text styles</a:t>
             </a:r>
           </a:p>
           <a:p>
             <a:pPr lvl="1"/>
             <a:r>
-              <a:rPr lang="en-US" smtClean="0"/>
+              <a:rPr lang="en-US"/>
               <a:t>Second level</a:t>
             </a:r>
           </a:p>
           <a:p>
             <a:pPr lvl="2"/>
             <a:r>
-              <a:rPr lang="en-US" smtClean="0"/>
+              <a:rPr lang="en-US"/>
               <a:t>Third level</a:t>
             </a:r>
           </a:p>
           <a:p>
             <a:pPr lvl="3"/>
             <a:r>
-              <a:rPr lang="en-US" smtClean="0"/>
+              <a:rPr lang="en-US"/>
               <a:t>Fourth level</a:t>
             </a:r>
           </a:p>
           <a:p>
             <a:pPr lvl="4"/>
             <a:r>
-              <a:rPr lang="en-US" smtClean="0"/>
+              <a:rPr lang="en-US"/>
               <a:t>Fifth level</a:t>
             </a:r>
-            <a:endParaRPr lang="en-US"/>
           </a:p>
         </p:txBody>
       </p:sp>
@@ -3050,10 +3456,9 @@
           </a:lstStyle>
           <a:p>
             <a:r>
-              <a:rPr lang="en-US" smtClean="0"/>
+              <a:rPr lang="en-US"/>
               <a:t>Click to edit Master title style</a:t>
             </a:r>
-            <a:endParaRPr lang="en-US"/>
           </a:p>
         </p:txBody>
       </p:sp>
@@ -3116,7 +3521,7 @@
           <a:p>
             <a:pPr lvl="0"/>
             <a:r>
-              <a:rPr lang="en-US" smtClean="0"/>
+              <a:rPr lang="en-US"/>
               <a:t>Click to edit Master text styles</a:t>
             </a:r>
           </a:p>
@@ -3172,38 +3577,37 @@
           <a:p>
             <a:pPr lvl="0"/>
             <a:r>
-              <a:rPr lang="en-US" smtClean="0"/>
+              <a:rPr lang="en-US"/>
               <a:t>Click to edit Master text styles</a:t>
             </a:r>
           </a:p>
           <a:p>
             <a:pPr lvl="1"/>
             <a:r>
-              <a:rPr lang="en-US" smtClean="0"/>
+              <a:rPr lang="en-US"/>
               <a:t>Second level</a:t>
             </a:r>
           </a:p>
           <a:p>
             <a:pPr lvl="2"/>
             <a:r>
-              <a:rPr lang="en-US" smtClean="0"/>
+              <a:rPr lang="en-US"/>
               <a:t>Third level</a:t>
             </a:r>
           </a:p>
           <a:p>
             <a:pPr lvl="3"/>
             <a:r>
-              <a:rPr lang="en-US" smtClean="0"/>
+              <a:rPr lang="en-US"/>
               <a:t>Fourth level</a:t>
             </a:r>
           </a:p>
           <a:p>
             <a:pPr lvl="4"/>
             <a:r>
-              <a:rPr lang="en-US" smtClean="0"/>
+              <a:rPr lang="en-US"/>
               <a:t>Fifth level</a:t>
             </a:r>
-            <a:endParaRPr lang="en-US"/>
           </a:p>
         </p:txBody>
       </p:sp>
@@ -3266,7 +3670,7 @@
           <a:p>
             <a:pPr lvl="0"/>
             <a:r>
-              <a:rPr lang="en-US" smtClean="0"/>
+              <a:rPr lang="en-US"/>
               <a:t>Click to edit Master text styles</a:t>
             </a:r>
           </a:p>
@@ -3322,38 +3726,37 @@
           <a:p>
             <a:pPr lvl="0"/>
             <a:r>
-              <a:rPr lang="en-US" smtClean="0"/>
+              <a:rPr lang="en-US"/>
               <a:t>Click to edit Master text styles</a:t>
             </a:r>
           </a:p>
           <a:p>
             <a:pPr lvl="1"/>
             <a:r>
-              <a:rPr lang="en-US" smtClean="0"/>
+              <a:rPr lang="en-US"/>
               <a:t>Second level</a:t>
             </a:r>
           </a:p>
           <a:p>
             <a:pPr lvl="2"/>
             <a:r>
-              <a:rPr lang="en-US" smtClean="0"/>
+              <a:rPr lang="en-US"/>
               <a:t>Third level</a:t>
             </a:r>
           </a:p>
           <a:p>
             <a:pPr lvl="3"/>
             <a:r>
-              <a:rPr lang="en-US" smtClean="0"/>
+              <a:rPr lang="en-US"/>
               <a:t>Fourth level</a:t>
             </a:r>
           </a:p>
           <a:p>
             <a:pPr lvl="4"/>
             <a:r>
-              <a:rPr lang="en-US" smtClean="0"/>
+              <a:rPr lang="en-US"/>
               <a:t>Fifth level</a:t>
             </a:r>
-            <a:endParaRPr lang="en-US"/>
           </a:p>
         </p:txBody>
       </p:sp>
@@ -3472,10 +3875,9 @@
           <a:lstStyle/>
           <a:p>
             <a:r>
-              <a:rPr lang="en-US" smtClean="0"/>
+              <a:rPr lang="en-US"/>
               <a:t>Click to edit Master title style</a:t>
             </a:r>
-            <a:endParaRPr lang="en-US"/>
           </a:p>
         </p:txBody>
       </p:sp>
@@ -3702,10 +4104,9 @@
           </a:lstStyle>
           <a:p>
             <a:r>
-              <a:rPr lang="en-US" smtClean="0"/>
+              <a:rPr lang="en-US"/>
               <a:t>Click to edit Master title style</a:t>
             </a:r>
-            <a:endParaRPr lang="en-US"/>
           </a:p>
         </p:txBody>
       </p:sp>
@@ -3759,38 +4160,37 @@
           <a:p>
             <a:pPr lvl="0"/>
             <a:r>
-              <a:rPr lang="en-US" smtClean="0"/>
+              <a:rPr lang="en-US"/>
               <a:t>Click to edit Master text styles</a:t>
             </a:r>
           </a:p>
           <a:p>
             <a:pPr lvl="1"/>
             <a:r>
-              <a:rPr lang="en-US" smtClean="0"/>
+              <a:rPr lang="en-US"/>
               <a:t>Second level</a:t>
             </a:r>
           </a:p>
           <a:p>
             <a:pPr lvl="2"/>
             <a:r>
-              <a:rPr lang="en-US" smtClean="0"/>
+              <a:rPr lang="en-US"/>
               <a:t>Third level</a:t>
             </a:r>
           </a:p>
           <a:p>
             <a:pPr lvl="3"/>
             <a:r>
-              <a:rPr lang="en-US" smtClean="0"/>
+              <a:rPr lang="en-US"/>
               <a:t>Fourth level</a:t>
             </a:r>
           </a:p>
           <a:p>
             <a:pPr lvl="4"/>
             <a:r>
-              <a:rPr lang="en-US" smtClean="0"/>
+              <a:rPr lang="en-US"/>
               <a:t>Fifth level</a:t>
             </a:r>
-            <a:endParaRPr lang="en-US"/>
           </a:p>
         </p:txBody>
       </p:sp>
@@ -3853,7 +4253,7 @@
           <a:p>
             <a:pPr lvl="0"/>
             <a:r>
-              <a:rPr lang="en-US" smtClean="0"/>
+              <a:rPr lang="en-US"/>
               <a:t>Click to edit Master text styles</a:t>
             </a:r>
           </a:p>
@@ -3983,10 +4383,9 @@
           </a:lstStyle>
           <a:p>
             <a:r>
-              <a:rPr lang="en-US" smtClean="0"/>
+              <a:rPr lang="en-US"/>
               <a:t>Click to edit Master title style</a:t>
             </a:r>
-            <a:endParaRPr lang="en-US"/>
           </a:p>
         </p:txBody>
       </p:sp>
@@ -4048,10 +4447,9 @@
           </a:lstStyle>
           <a:p>
             <a:r>
-              <a:rPr lang="en-US" smtClean="0"/>
+              <a:rPr lang="en-US"/>
               <a:t>Drag picture to placeholder or click icon to add</a:t>
             </a:r>
-            <a:endParaRPr lang="en-US"/>
           </a:p>
         </p:txBody>
       </p:sp>
@@ -4114,7 +4512,7 @@
           <a:p>
             <a:pPr lvl="0"/>
             <a:r>
-              <a:rPr lang="en-US" smtClean="0"/>
+              <a:rPr lang="en-US"/>
               <a:t>Click to edit Master text styles</a:t>
             </a:r>
           </a:p>
@@ -4268,10 +4666,9 @@
           <a:p>
             <a:pPr lvl="0"/>
             <a:r>
-              <a:rPr lang="en-US" smtClean="0"/>
+              <a:rPr lang="en-US"/>
               <a:t>Click to edit Master title style</a:t>
             </a:r>
-            <a:endParaRPr lang="en-US"/>
           </a:p>
         </p:txBody>
       </p:sp>
@@ -4312,38 +4709,37 @@
           <a:p>
             <a:pPr lvl="0"/>
             <a:r>
-              <a:rPr lang="en-US" smtClean="0"/>
+              <a:rPr lang="en-US"/>
               <a:t>Click to edit Master text styles</a:t>
             </a:r>
           </a:p>
           <a:p>
             <a:pPr lvl="1"/>
             <a:r>
-              <a:rPr lang="en-US" smtClean="0"/>
+              <a:rPr lang="en-US"/>
               <a:t>Second level</a:t>
             </a:r>
           </a:p>
           <a:p>
             <a:pPr lvl="2"/>
             <a:r>
-              <a:rPr lang="en-US" smtClean="0"/>
+              <a:rPr lang="en-US"/>
               <a:t>Third level</a:t>
             </a:r>
           </a:p>
           <a:p>
             <a:pPr lvl="3"/>
             <a:r>
-              <a:rPr lang="en-US" smtClean="0"/>
+              <a:rPr lang="en-US"/>
               <a:t>Fourth level</a:t>
             </a:r>
           </a:p>
           <a:p>
             <a:pPr lvl="4"/>
             <a:r>
-              <a:rPr lang="en-US" smtClean="0"/>
+              <a:rPr lang="en-US"/>
               <a:t>Fifth level</a:t>
             </a:r>
-            <a:endParaRPr lang="en-US"/>
           </a:p>
         </p:txBody>
       </p:sp>
@@ -5123,10 +5519,9 @@
           <a:lstStyle/>
           <a:p>
             <a:r>
-              <a:rPr lang="en-US" dirty="0" smtClean="0"/>
+              <a:rPr lang="en-US" dirty="0"/>
               <a:t>Executive Function</a:t>
             </a:r>
-            <a:endParaRPr lang="en-US" dirty="0"/>
           </a:p>
         </p:txBody>
       </p:sp>
@@ -5205,14 +5600,13 @@
           <a:lstStyle/>
           <a:p>
             <a:r>
-              <a:rPr lang="en-US" dirty="0" err="1" smtClean="0"/>
+              <a:rPr lang="en-US" dirty="0" err="1"/>
               <a:t>Stroop</a:t>
             </a:r>
             <a:r>
-              <a:rPr lang="en-US" dirty="0" smtClean="0"/>
+              <a:rPr lang="en-US" dirty="0"/>
               <a:t> Task: Top Down Biasing</a:t>
             </a:r>
-            <a:endParaRPr lang="en-US" dirty="0"/>
           </a:p>
         </p:txBody>
       </p:sp>
@@ -5301,14 +5695,13 @@
           <a:lstStyle/>
           <a:p>
             <a:r>
-              <a:rPr lang="en-US" dirty="0" err="1" smtClean="0"/>
+              <a:rPr lang="en-US" dirty="0" err="1"/>
               <a:t>Stroop</a:t>
             </a:r>
             <a:r>
-              <a:rPr lang="en-US" dirty="0" smtClean="0"/>
+              <a:rPr lang="en-US" dirty="0"/>
               <a:t> Task: Top Down Biasing</a:t>
             </a:r>
-            <a:endParaRPr lang="en-US" dirty="0"/>
           </a:p>
         </p:txBody>
       </p:sp>
@@ -5397,14 +5790,13 @@
           <a:lstStyle/>
           <a:p>
             <a:r>
-              <a:rPr lang="en-US" dirty="0" err="1" smtClean="0"/>
+              <a:rPr lang="en-US" dirty="0" err="1"/>
               <a:t>Stroop</a:t>
             </a:r>
             <a:r>
-              <a:rPr lang="en-US" dirty="0" smtClean="0"/>
+              <a:rPr lang="en-US" dirty="0"/>
               <a:t> Task: Top Down Biasing</a:t>
             </a:r>
-            <a:endParaRPr lang="en-US" dirty="0"/>
           </a:p>
         </p:txBody>
       </p:sp>
@@ -5493,10 +5885,9 @@
           <a:lstStyle/>
           <a:p>
             <a:r>
-              <a:rPr lang="en-US" dirty="0" smtClean="0"/>
+              <a:rPr lang="en-US" dirty="0"/>
               <a:t>Asymmetric Conflict</a:t>
             </a:r>
-            <a:endParaRPr lang="en-US" dirty="0"/>
           </a:p>
         </p:txBody>
       </p:sp>
@@ -5574,10 +5965,9 @@
           <a:lstStyle/>
           <a:p>
             <a:r>
-              <a:rPr lang="en-US" dirty="0" smtClean="0"/>
+              <a:rPr lang="en-US" dirty="0"/>
               <a:t>Robust Active Maintenance</a:t>
             </a:r>
-            <a:endParaRPr lang="en-US" dirty="0"/>
           </a:p>
         </p:txBody>
       </p:sp>
@@ -5597,30 +5987,29 @@
           <a:lstStyle/>
           <a:p>
             <a:r>
-              <a:rPr lang="en-US" dirty="0" smtClean="0"/>
+              <a:rPr lang="en-US" dirty="0"/>
               <a:t>In </a:t>
             </a:r>
             <a:r>
-              <a:rPr lang="en-US" dirty="0" err="1" smtClean="0"/>
+              <a:rPr lang="en-US" dirty="0" err="1"/>
               <a:t>Stroop</a:t>
             </a:r>
             <a:r>
-              <a:rPr lang="en-US" dirty="0" smtClean="0"/>
+              <a:rPr lang="en-US" dirty="0"/>
               <a:t> model, we just clamp PFC units on..</a:t>
             </a:r>
           </a:p>
           <a:p>
             <a:r>
-              <a:rPr lang="en-US" dirty="0" smtClean="0"/>
+              <a:rPr lang="en-US" dirty="0"/>
               <a:t>What makes them “clamped” in the real brain?</a:t>
             </a:r>
           </a:p>
           <a:p>
             <a:r>
-              <a:rPr lang="en-US" dirty="0" smtClean="0"/>
+              <a:rPr lang="en-US" dirty="0"/>
               <a:t>BG!</a:t>
             </a:r>
-            <a:endParaRPr lang="en-US" dirty="0"/>
           </a:p>
         </p:txBody>
       </p:sp>
@@ -5670,10 +6059,9 @@
           <a:lstStyle/>
           <a:p>
             <a:r>
-              <a:rPr lang="en-US" dirty="0" smtClean="0"/>
+              <a:rPr lang="en-US" dirty="0"/>
               <a:t>Motor Gating =&gt; Cognitive Gating</a:t>
             </a:r>
-            <a:endParaRPr lang="en-US" dirty="0"/>
           </a:p>
         </p:txBody>
       </p:sp>
@@ -5911,7 +6299,7 @@
           <a:effectLst/>
           <a:extLst>
             <a:ext uri="{909E8E84-426E-40dd-AFC4-6F175D3DCCD1}">
-              <a14:hiddenFill xmlns:a14="http://schemas.microsoft.com/office/drawing/2010/main">
+              <a14:hiddenFill xmlns:a14="http://schemas.microsoft.com/office/drawing/2010/main" xmlns="">
                 <a:blipFill dpi="0" rotWithShape="0">
                   <a:blip/>
                   <a:srcRect/>
@@ -5922,7 +6310,7 @@
               </a14:hiddenFill>
             </a:ext>
             <a:ext uri="{91240B29-F687-4f45-9708-019B960494DF}">
-              <a14:hiddenLine xmlns:a14="http://schemas.microsoft.com/office/drawing/2010/main" w="9525">
+              <a14:hiddenLine xmlns:a14="http://schemas.microsoft.com/office/drawing/2010/main" xmlns="" w="9525">
                 <a:solidFill>
                   <a:srgbClr val="000000"/>
                 </a:solidFill>
@@ -5932,7 +6320,7 @@
               </a14:hiddenLine>
             </a:ext>
             <a:ext uri="{AF507438-7753-43e0-B8FC-AC1667EBCBE1}">
-              <a14:hiddenEffects xmlns:a14="http://schemas.microsoft.com/office/drawing/2010/main">
+              <a14:hiddenEffects xmlns:a14="http://schemas.microsoft.com/office/drawing/2010/main" xmlns="">
                 <a:effectLst>
                   <a:outerShdw blurRad="63500" dist="38099" dir="2700000" algn="ctr" rotWithShape="0">
                     <a:srgbClr val="000000">
@@ -5955,11 +6343,11 @@
   <p:clrMapOvr>
     <a:masterClrMapping/>
   </p:clrMapOvr>
-  <p:transition xmlns:p14="http://schemas.microsoft.com/office/powerpoint/2010/main" spd="med"/>
+  <p:transition spd="med"/>
   <p:timing>
     <p:tnLst>
       <p:par>
-        <p:cTn xmlns:p14="http://schemas.microsoft.com/office/powerpoint/2010/main" id="1" dur="indefinite" restart="never" nodeType="tmRoot">
+        <p:cTn id="1" dur="indefinite" restart="never" nodeType="tmRoot">
           <p:childTnLst>
             <p:seq concurrent="1" nextAc="seek">
               <p:cTn id="2" dur="0" nodeType="mainSeq"/>
@@ -6019,10 +6407,9 @@
           <a:lstStyle/>
           <a:p>
             <a:r>
-              <a:rPr lang="en-US" dirty="0" smtClean="0"/>
+              <a:rPr lang="en-US" dirty="0"/>
               <a:t>PBWM System</a:t>
             </a:r>
-            <a:endParaRPr lang="en-US" dirty="0"/>
           </a:p>
         </p:txBody>
       </p:sp>
@@ -6081,7 +6468,7 @@
           <a:effectLst/>
           <a:extLst>
             <a:ext uri="{909E8E84-426E-40dd-AFC4-6F175D3DCCD1}">
-              <a14:hiddenFill xmlns:a14="http://schemas.microsoft.com/office/drawing/2010/main">
+              <a14:hiddenFill xmlns:a14="http://schemas.microsoft.com/office/drawing/2010/main" xmlns="">
                 <a:blipFill dpi="0" rotWithShape="0">
                   <a:blip/>
                   <a:srcRect/>
@@ -6092,7 +6479,7 @@
               </a14:hiddenFill>
             </a:ext>
             <a:ext uri="{91240B29-F687-4f45-9708-019B960494DF}">
-              <a14:hiddenLine xmlns:a14="http://schemas.microsoft.com/office/drawing/2010/main" w="9525">
+              <a14:hiddenLine xmlns:a14="http://schemas.microsoft.com/office/drawing/2010/main" xmlns="" w="9525">
                 <a:solidFill>
                   <a:srgbClr val="000000"/>
                 </a:solidFill>
@@ -6102,7 +6489,7 @@
               </a14:hiddenLine>
             </a:ext>
             <a:ext uri="{AF507438-7753-43e0-B8FC-AC1667EBCBE1}">
-              <a14:hiddenEffects xmlns:a14="http://schemas.microsoft.com/office/drawing/2010/main">
+              <a14:hiddenEffects xmlns:a14="http://schemas.microsoft.com/office/drawing/2010/main" xmlns="">
                 <a:effectLst>
                   <a:outerShdw blurRad="63500" dist="38099" dir="2700000" algn="ctr" rotWithShape="0">
                     <a:srgbClr val="000000">
@@ -6125,13 +6512,6 @@
   <p:clrMapOvr>
     <a:masterClrMapping/>
   </p:clrMapOvr>
-  <p:timing>
-    <p:tnLst>
-      <p:par>
-        <p:cTn xmlns:p14="http://schemas.microsoft.com/office/powerpoint/2010/main" id="1" dur="indefinite" restart="never" nodeType="tmRoot"/>
-      </p:par>
-    </p:tnLst>
-  </p:timing>
 </p:sld>
 </file>
 
@@ -6168,10 +6548,90 @@
           <a:lstStyle/>
           <a:p>
             <a:r>
-              <a:rPr lang="en-US" dirty="0" smtClean="0"/>
+              <a:rPr lang="en-US" dirty="0"/>
+              <a:t>Examples of different EF tasks</a:t>
+            </a:r>
+          </a:p>
+        </p:txBody>
+      </p:sp>
+      <p:pic>
+        <p:nvPicPr>
+          <p:cNvPr id="5" name="Content Placeholder 4"/>
+          <p:cNvPicPr>
+            <a:picLocks noGrp="1" noChangeAspect="1"/>
+          </p:cNvPicPr>
+          <p:nvPr>
+            <p:ph idx="1"/>
+          </p:nvPr>
+        </p:nvPicPr>
+        <p:blipFill>
+          <a:blip r:embed="rId3">
+            <a:extLst>
+              <a:ext uri="{28A0092B-C50C-407E-A947-70E740481C1C}">
+                <a14:useLocalDpi xmlns:a14="http://schemas.microsoft.com/office/drawing/2010/main" val="0"/>
+              </a:ext>
+            </a:extLst>
+          </a:blip>
+          <a:stretch>
+            <a:fillRect/>
+          </a:stretch>
+        </p:blipFill>
+        <p:spPr>
+          <a:xfrm>
+            <a:off x="1148723" y="1770063"/>
+            <a:ext cx="7776830" cy="4989512"/>
+          </a:xfrm>
+        </p:spPr>
+      </p:pic>
+    </p:spTree>
+    <p:extLst>
+      <p:ext uri="{BB962C8B-B14F-4D97-AF65-F5344CB8AC3E}">
+        <p14:creationId xmlns:p14="http://schemas.microsoft.com/office/powerpoint/2010/main" val="551447214"/>
+      </p:ext>
+    </p:extLst>
+  </p:cSld>
+  <p:clrMapOvr>
+    <a:masterClrMapping/>
+  </p:clrMapOvr>
+</p:sld>
+</file>
+
+<file path=ppt/slides/slide19.xml><?xml version="1.0" encoding="utf-8"?>
+<p:sld xmlns:a="http://schemas.openxmlformats.org/drawingml/2006/main" xmlns:r="http://schemas.openxmlformats.org/officeDocument/2006/relationships" xmlns:p="http://schemas.openxmlformats.org/presentationml/2006/main">
+  <p:cSld>
+    <p:spTree>
+      <p:nvGrpSpPr>
+        <p:cNvPr id="1" name=""/>
+        <p:cNvGrpSpPr/>
+        <p:nvPr/>
+      </p:nvGrpSpPr>
+      <p:grpSpPr>
+        <a:xfrm>
+          <a:off x="0" y="0"/>
+          <a:ext cx="0" cy="0"/>
+          <a:chOff x="0" y="0"/>
+          <a:chExt cx="0" cy="0"/>
+        </a:xfrm>
+      </p:grpSpPr>
+      <p:sp>
+        <p:nvSpPr>
+          <p:cNvPr id="2" name="Title 1"/>
+          <p:cNvSpPr>
+            <a:spLocks noGrp="1"/>
+          </p:cNvSpPr>
+          <p:nvPr>
+            <p:ph type="title"/>
+          </p:nvPr>
+        </p:nvSpPr>
+        <p:spPr/>
+        <p:txBody>
+          <a:bodyPr/>
+          <a:lstStyle/>
+          <a:p>
+            <a:r>
+              <a:rPr lang="en-US" dirty="0"/>
               <a:t>Chain of Command..</a:t>
             </a:r>
-            <a:endParaRPr lang="en-US" dirty="0"/>
           </a:p>
         </p:txBody>
       </p:sp>
@@ -6214,126 +6674,6 @@
   <p:clrMapOvr>
     <a:masterClrMapping/>
   </p:clrMapOvr>
-  <p:timing>
-    <p:tnLst>
-      <p:par>
-        <p:cTn xmlns:p14="http://schemas.microsoft.com/office/powerpoint/2010/main" id="1" dur="indefinite" restart="never" nodeType="tmRoot"/>
-      </p:par>
-    </p:tnLst>
-  </p:timing>
-</p:sld>
-</file>
-
-<file path=ppt/slides/slide19.xml><?xml version="1.0" encoding="utf-8"?>
-<p:sld xmlns:a="http://schemas.openxmlformats.org/drawingml/2006/main" xmlns:r="http://schemas.openxmlformats.org/officeDocument/2006/relationships" xmlns:p="http://schemas.openxmlformats.org/presentationml/2006/main">
-  <p:cSld>
-    <p:spTree>
-      <p:nvGrpSpPr>
-        <p:cNvPr id="1" name=""/>
-        <p:cNvGrpSpPr/>
-        <p:nvPr/>
-      </p:nvGrpSpPr>
-      <p:grpSpPr>
-        <a:xfrm>
-          <a:off x="0" y="0"/>
-          <a:ext cx="0" cy="0"/>
-          <a:chOff x="0" y="0"/>
-          <a:chExt cx="0" cy="0"/>
-        </a:xfrm>
-      </p:grpSpPr>
-      <p:sp>
-        <p:nvSpPr>
-          <p:cNvPr id="2" name="Title 1"/>
-          <p:cNvSpPr>
-            <a:spLocks noGrp="1"/>
-          </p:cNvSpPr>
-          <p:nvPr>
-            <p:ph type="title"/>
-          </p:nvPr>
-        </p:nvSpPr>
-        <p:spPr/>
-        <p:txBody>
-          <a:bodyPr/>
-          <a:lstStyle/>
-          <a:p>
-            <a:r>
-              <a:rPr lang="en-US" dirty="0" smtClean="0"/>
-              <a:t>Executive Function</a:t>
-            </a:r>
-            <a:endParaRPr lang="en-US" dirty="0"/>
-          </a:p>
-        </p:txBody>
-      </p:sp>
-      <p:pic>
-        <p:nvPicPr>
-          <p:cNvPr id="5" name="Content Placeholder 4"/>
-          <p:cNvPicPr>
-            <a:picLocks noGrp="1" noChangeAspect="1"/>
-          </p:cNvPicPr>
-          <p:nvPr>
-            <p:ph idx="1"/>
-          </p:nvPr>
-        </p:nvPicPr>
-        <p:blipFill>
-          <a:blip r:embed="rId2">
-            <a:extLst>
-              <a:ext uri="{28A0092B-C50C-407E-A947-70E740481C1C}">
-                <a14:useLocalDpi xmlns:a14="http://schemas.microsoft.com/office/drawing/2010/main" val="0"/>
-              </a:ext>
-            </a:extLst>
-          </a:blip>
-          <a:stretch>
-            <a:fillRect/>
-          </a:stretch>
-        </p:blipFill>
-        <p:spPr>
-          <a:xfrm>
-            <a:off x="542927" y="1952627"/>
-            <a:ext cx="9067799" cy="4533899"/>
-          </a:xfrm>
-        </p:spPr>
-      </p:pic>
-      <p:sp>
-        <p:nvSpPr>
-          <p:cNvPr id="4" name="Slide Number Placeholder 3"/>
-          <p:cNvSpPr>
-            <a:spLocks noGrp="1"/>
-          </p:cNvSpPr>
-          <p:nvPr>
-            <p:ph type="sldNum" idx="12"/>
-          </p:nvPr>
-        </p:nvSpPr>
-        <p:spPr/>
-        <p:txBody>
-          <a:bodyPr/>
-          <a:lstStyle/>
-          <a:p>
-            <a:fld id="{5689AE7F-56EB-8D49-9914-836A4F709789}" type="slidenum">
-              <a:rPr lang="en-US" smtClean="0"/>
-              <a:pPr/>
-              <a:t>19</a:t>
-            </a:fld>
-            <a:endParaRPr lang="en-US"/>
-          </a:p>
-        </p:txBody>
-      </p:sp>
-    </p:spTree>
-    <p:extLst>
-      <p:ext uri="{BB962C8B-B14F-4D97-AF65-F5344CB8AC3E}">
-        <p14:creationId xmlns:p14="http://schemas.microsoft.com/office/powerpoint/2010/main" val="4013549150"/>
-      </p:ext>
-    </p:extLst>
-  </p:cSld>
-  <p:clrMapOvr>
-    <a:masterClrMapping/>
-  </p:clrMapOvr>
-  <p:timing>
-    <p:tnLst>
-      <p:par>
-        <p:cTn xmlns:p14="http://schemas.microsoft.com/office/powerpoint/2010/main" id="1" dur="indefinite" restart="never" nodeType="tmRoot"/>
-      </p:par>
-    </p:tnLst>
-  </p:timing>
 </p:sld>
 </file>
 
@@ -6370,10 +6710,9 @@
           <a:lstStyle/>
           <a:p>
             <a:r>
-              <a:rPr lang="en-US" dirty="0" smtClean="0"/>
+              <a:rPr lang="en-US" dirty="0"/>
               <a:t>Who is in Charge of your Brain??</a:t>
             </a:r>
-            <a:endParaRPr lang="en-US" dirty="0"/>
           </a:p>
         </p:txBody>
       </p:sp>
@@ -6530,40 +6869,15 @@
             <p:ph type="title"/>
           </p:nvPr>
         </p:nvSpPr>
-        <p:spPr>
-          <a:xfrm>
-            <a:off x="6638925" y="301625"/>
-            <a:ext cx="2932117" cy="6375399"/>
-          </a:xfrm>
-        </p:spPr>
+        <p:spPr/>
         <p:txBody>
           <a:bodyPr/>
           <a:lstStyle/>
           <a:p>
-            <a:pPr algn="l"/>
-            <a:r>
-              <a:rPr lang="en-US" sz="3600" dirty="0" smtClean="0"/>
-              <a:t>Medial Frontal Map of </a:t>
-            </a:r>
-            <a:r>
-              <a:rPr lang="en-US" sz="3600" dirty="0" smtClean="0"/>
-              <a:t>Values</a:t>
-            </a:r>
-            <a:br>
-              <a:rPr lang="en-US" sz="3600" dirty="0" smtClean="0"/>
-            </a:br>
-            <a:r>
-              <a:rPr lang="en-US" sz="3600" dirty="0"/>
-              <a:t/>
-            </a:r>
-            <a:br>
-              <a:rPr lang="en-US" sz="3600" dirty="0"/>
-            </a:br>
-            <a:r>
-              <a:rPr lang="en-US" sz="3600" dirty="0" smtClean="0"/>
-              <a:t>This is your emotional life</a:t>
-            </a:r>
-            <a:endParaRPr lang="en-US" sz="3600" dirty="0"/>
+            <a:r>
+              <a:rPr lang="en-US" dirty="0"/>
+              <a:t>Executive Function</a:t>
+            </a:r>
           </a:p>
         </p:txBody>
       </p:sp>
@@ -6591,8 +6905,8 @@
         </p:blipFill>
         <p:spPr>
           <a:xfrm>
-            <a:off x="314325" y="200025"/>
-            <a:ext cx="6267037" cy="7086600"/>
+            <a:off x="542927" y="1952627"/>
+            <a:ext cx="9067799" cy="4533899"/>
           </a:xfrm>
         </p:spPr>
       </p:pic>
@@ -6616,14 +6930,14 @@
               <a:pPr/>
               <a:t>20</a:t>
             </a:fld>
-            <a:endParaRPr lang="en-US" dirty="0"/>
+            <a:endParaRPr lang="en-US"/>
           </a:p>
         </p:txBody>
       </p:sp>
     </p:spTree>
     <p:extLst>
       <p:ext uri="{BB962C8B-B14F-4D97-AF65-F5344CB8AC3E}">
-        <p14:creationId xmlns:p14="http://schemas.microsoft.com/office/powerpoint/2010/main" val="2514168630"/>
+        <p14:creationId xmlns:p14="http://schemas.microsoft.com/office/powerpoint/2010/main" val="4013549150"/>
       </p:ext>
     </p:extLst>
   </p:cSld>
@@ -6660,16 +6974,480 @@
             <p:ph type="title"/>
           </p:nvPr>
         </p:nvSpPr>
+        <p:spPr>
+          <a:xfrm>
+            <a:off x="6638925" y="301625"/>
+            <a:ext cx="2932117" cy="6375399"/>
+          </a:xfrm>
+        </p:spPr>
+        <p:txBody>
+          <a:bodyPr/>
+          <a:lstStyle/>
+          <a:p>
+            <a:pPr algn="l"/>
+            <a:r>
+              <a:rPr lang="en-US" sz="3600" dirty="0"/>
+              <a:t>Medial Frontal Map of Values</a:t>
+            </a:r>
+            <a:br>
+              <a:rPr lang="en-US" sz="3600" dirty="0"/>
+            </a:br>
+            <a:br>
+              <a:rPr lang="en-US" sz="3600" dirty="0"/>
+            </a:br>
+            <a:r>
+              <a:rPr lang="en-US" sz="3600" dirty="0"/>
+              <a:t>This is your emotional life</a:t>
+            </a:r>
+          </a:p>
+        </p:txBody>
+      </p:sp>
+      <p:pic>
+        <p:nvPicPr>
+          <p:cNvPr id="5" name="Content Placeholder 4"/>
+          <p:cNvPicPr>
+            <a:picLocks noGrp="1" noChangeAspect="1"/>
+          </p:cNvPicPr>
+          <p:nvPr>
+            <p:ph idx="1"/>
+          </p:nvPr>
+        </p:nvPicPr>
+        <p:blipFill>
+          <a:blip r:embed="rId2">
+            <a:extLst>
+              <a:ext uri="{28A0092B-C50C-407E-A947-70E740481C1C}">
+                <a14:useLocalDpi xmlns:a14="http://schemas.microsoft.com/office/drawing/2010/main" val="0"/>
+              </a:ext>
+            </a:extLst>
+          </a:blip>
+          <a:stretch>
+            <a:fillRect/>
+          </a:stretch>
+        </p:blipFill>
+        <p:spPr>
+          <a:xfrm>
+            <a:off x="314325" y="200025"/>
+            <a:ext cx="6267037" cy="7086600"/>
+          </a:xfrm>
+        </p:spPr>
+      </p:pic>
+      <p:sp>
+        <p:nvSpPr>
+          <p:cNvPr id="4" name="Slide Number Placeholder 3"/>
+          <p:cNvSpPr>
+            <a:spLocks noGrp="1"/>
+          </p:cNvSpPr>
+          <p:nvPr>
+            <p:ph type="sldNum" idx="12"/>
+          </p:nvPr>
+        </p:nvSpPr>
         <p:spPr/>
         <p:txBody>
           <a:bodyPr/>
           <a:lstStyle/>
           <a:p>
-            <a:r>
-              <a:rPr lang="en-US" dirty="0" smtClean="0"/>
+            <a:fld id="{5689AE7F-56EB-8D49-9914-836A4F709789}" type="slidenum">
+              <a:rPr lang="en-US" smtClean="0"/>
+              <a:pPr/>
+              <a:t>21</a:t>
+            </a:fld>
+            <a:endParaRPr lang="en-US" dirty="0"/>
+          </a:p>
+        </p:txBody>
+      </p:sp>
+    </p:spTree>
+    <p:extLst>
+      <p:ext uri="{BB962C8B-B14F-4D97-AF65-F5344CB8AC3E}">
+        <p14:creationId xmlns:p14="http://schemas.microsoft.com/office/powerpoint/2010/main" val="2514168630"/>
+      </p:ext>
+    </p:extLst>
+  </p:cSld>
+  <p:clrMapOvr>
+    <a:masterClrMapping/>
+  </p:clrMapOvr>
+</p:sld>
+</file>
+
+<file path=ppt/slides/slide22.xml><?xml version="1.0" encoding="utf-8"?>
+<p:sld xmlns:a="http://schemas.openxmlformats.org/drawingml/2006/main" xmlns:r="http://schemas.openxmlformats.org/officeDocument/2006/relationships" xmlns:p="http://schemas.openxmlformats.org/presentationml/2006/main">
+  <p:cSld>
+    <p:spTree>
+      <p:nvGrpSpPr>
+        <p:cNvPr id="1" name=""/>
+        <p:cNvGrpSpPr/>
+        <p:nvPr/>
+      </p:nvGrpSpPr>
+      <p:grpSpPr>
+        <a:xfrm>
+          <a:off x="0" y="0"/>
+          <a:ext cx="0" cy="0"/>
+          <a:chOff x="0" y="0"/>
+          <a:chExt cx="0" cy="0"/>
+        </a:xfrm>
+      </p:grpSpPr>
+      <p:sp>
+        <p:nvSpPr>
+          <p:cNvPr id="2" name="Title 1"/>
+          <p:cNvSpPr>
+            <a:spLocks noGrp="1"/>
+          </p:cNvSpPr>
+          <p:nvPr>
+            <p:ph type="title"/>
+          </p:nvPr>
+        </p:nvSpPr>
+        <p:spPr/>
+        <p:txBody>
+          <a:bodyPr/>
+          <a:lstStyle/>
+          <a:p>
+            <a:r>
+              <a:rPr lang="en-US" dirty="0"/>
+              <a:t>Prefrontal cortex across species</a:t>
+            </a:r>
+          </a:p>
+        </p:txBody>
+      </p:sp>
+      <p:pic>
+        <p:nvPicPr>
+          <p:cNvPr id="5" name="Content Placeholder 4"/>
+          <p:cNvPicPr>
+            <a:picLocks noGrp="1" noChangeAspect="1"/>
+          </p:cNvPicPr>
+          <p:nvPr>
+            <p:ph idx="1"/>
+          </p:nvPr>
+        </p:nvPicPr>
+        <p:blipFill>
+          <a:blip r:embed="rId3">
+            <a:extLst>
+              <a:ext uri="{28A0092B-C50C-407E-A947-70E740481C1C}">
+                <a14:useLocalDpi xmlns:a14="http://schemas.microsoft.com/office/drawing/2010/main" val="0"/>
+              </a:ext>
+            </a:extLst>
+          </a:blip>
+          <a:stretch>
+            <a:fillRect/>
+          </a:stretch>
+        </p:blipFill>
+        <p:spPr>
+          <a:xfrm>
+            <a:off x="2600325" y="4438649"/>
+            <a:ext cx="3810000" cy="2743200"/>
+          </a:xfrm>
+        </p:spPr>
+      </p:pic>
+      <p:pic>
+        <p:nvPicPr>
+          <p:cNvPr id="4" name="Picture 3"/>
+          <p:cNvPicPr>
+            <a:picLocks noChangeAspect="1"/>
+          </p:cNvPicPr>
+          <p:nvPr/>
+        </p:nvPicPr>
+        <p:blipFill>
+          <a:blip r:embed="rId4"/>
+          <a:stretch>
+            <a:fillRect/>
+          </a:stretch>
+        </p:blipFill>
+        <p:spPr>
+          <a:xfrm>
+            <a:off x="498479" y="1657350"/>
+            <a:ext cx="7239000" cy="2654300"/>
+          </a:xfrm>
+          <a:prstGeom prst="rect">
+            <a:avLst/>
+          </a:prstGeom>
+        </p:spPr>
+      </p:pic>
+    </p:spTree>
+    <p:extLst>
+      <p:ext uri="{BB962C8B-B14F-4D97-AF65-F5344CB8AC3E}">
+        <p14:creationId xmlns:p14="http://schemas.microsoft.com/office/powerpoint/2010/main" val="3765906743"/>
+      </p:ext>
+    </p:extLst>
+  </p:cSld>
+  <p:clrMapOvr>
+    <a:masterClrMapping/>
+  </p:clrMapOvr>
+</p:sld>
+</file>
+
+<file path=ppt/slides/slide23.xml><?xml version="1.0" encoding="utf-8"?>
+<p:sld xmlns:a="http://schemas.openxmlformats.org/drawingml/2006/main" xmlns:r="http://schemas.openxmlformats.org/officeDocument/2006/relationships" xmlns:p="http://schemas.openxmlformats.org/presentationml/2006/main">
+  <p:cSld>
+    <p:spTree>
+      <p:nvGrpSpPr>
+        <p:cNvPr id="1" name=""/>
+        <p:cNvGrpSpPr/>
+        <p:nvPr/>
+      </p:nvGrpSpPr>
+      <p:grpSpPr>
+        <a:xfrm>
+          <a:off x="0" y="0"/>
+          <a:ext cx="0" cy="0"/>
+          <a:chOff x="0" y="0"/>
+          <a:chExt cx="0" cy="0"/>
+        </a:xfrm>
+      </p:grpSpPr>
+      <p:sp>
+        <p:nvSpPr>
+          <p:cNvPr id="2" name="Title 1"/>
+          <p:cNvSpPr>
+            <a:spLocks noGrp="1"/>
+          </p:cNvSpPr>
+          <p:nvPr>
+            <p:ph type="title"/>
+          </p:nvPr>
+        </p:nvSpPr>
+        <p:spPr/>
+        <p:txBody>
+          <a:bodyPr/>
+          <a:lstStyle/>
+          <a:p>
+            <a:r>
+              <a:rPr lang="en-US" dirty="0"/>
+              <a:t>Baddeley/Hitch model</a:t>
+            </a:r>
+          </a:p>
+        </p:txBody>
+      </p:sp>
+      <p:sp>
+        <p:nvSpPr>
+          <p:cNvPr id="3" name="Text Placeholder 2"/>
+          <p:cNvSpPr>
+            <a:spLocks noGrp="1"/>
+          </p:cNvSpPr>
+          <p:nvPr>
+            <p:ph type="body" sz="half" idx="1"/>
+          </p:nvPr>
+        </p:nvSpPr>
+        <p:spPr>
+          <a:xfrm>
+            <a:off x="503079" y="3933825"/>
+            <a:ext cx="8879046" cy="2827001"/>
+          </a:xfrm>
+        </p:spPr>
+        <p:txBody>
+          <a:bodyPr/>
+          <a:lstStyle/>
+          <a:p>
+            <a:r>
+              <a:rPr lang="en-US" dirty="0"/>
+              <a:t>Influential account of working memory</a:t>
+            </a:r>
+          </a:p>
+          <a:p>
+            <a:pPr lvl="1"/>
+            <a:r>
+              <a:rPr lang="en-US" dirty="0"/>
+              <a:t>Phonological loop: Hold information for a few seconds, maintain through rehearsal</a:t>
+            </a:r>
+          </a:p>
+          <a:p>
+            <a:pPr lvl="1"/>
+            <a:r>
+              <a:rPr lang="en-US" dirty="0"/>
+              <a:t>Central executive: Switch &amp; focus attention</a:t>
+            </a:r>
+          </a:p>
+          <a:p>
+            <a:pPr lvl="1"/>
+            <a:r>
+              <a:rPr lang="en-US" dirty="0"/>
+              <a:t>Visuospatial sketchpad: ongoing manipulation of visual/spatial items</a:t>
+            </a:r>
+          </a:p>
+        </p:txBody>
+      </p:sp>
+      <p:pic>
+        <p:nvPicPr>
+          <p:cNvPr id="5" name="Picture Placeholder 4"/>
+          <p:cNvPicPr>
+            <a:picLocks noGrp="1" noChangeAspect="1"/>
+          </p:cNvPicPr>
+          <p:nvPr>
+            <p:ph type="clipArt" sz="half" idx="2"/>
+          </p:nvPr>
+        </p:nvPicPr>
+        <p:blipFill>
+          <a:blip r:embed="rId3">
+            <a:extLst>
+              <a:ext uri="{28A0092B-C50C-407E-A947-70E740481C1C}">
+                <a14:useLocalDpi xmlns:a14="http://schemas.microsoft.com/office/drawing/2010/main" val="0"/>
+              </a:ext>
+            </a:extLst>
+          </a:blip>
+          <a:stretch>
+            <a:fillRect/>
+          </a:stretch>
+        </p:blipFill>
+        <p:spPr>
+          <a:xfrm>
+            <a:off x="2447925" y="1548468"/>
+            <a:ext cx="4457700" cy="1651000"/>
+          </a:xfrm>
+        </p:spPr>
+      </p:pic>
+    </p:spTree>
+    <p:extLst>
+      <p:ext uri="{BB962C8B-B14F-4D97-AF65-F5344CB8AC3E}">
+        <p14:creationId xmlns:p14="http://schemas.microsoft.com/office/powerpoint/2010/main" val="2038108597"/>
+      </p:ext>
+    </p:extLst>
+  </p:cSld>
+  <p:clrMapOvr>
+    <a:masterClrMapping/>
+  </p:clrMapOvr>
+</p:sld>
+</file>
+
+<file path=ppt/slides/slide24.xml><?xml version="1.0" encoding="utf-8"?>
+<p:sld xmlns:a="http://schemas.openxmlformats.org/drawingml/2006/main" xmlns:r="http://schemas.openxmlformats.org/officeDocument/2006/relationships" xmlns:p="http://schemas.openxmlformats.org/presentationml/2006/main">
+  <p:cSld>
+    <p:spTree>
+      <p:nvGrpSpPr>
+        <p:cNvPr id="1" name=""/>
+        <p:cNvGrpSpPr/>
+        <p:nvPr/>
+      </p:nvGrpSpPr>
+      <p:grpSpPr>
+        <a:xfrm>
+          <a:off x="0" y="0"/>
+          <a:ext cx="0" cy="0"/>
+          <a:chOff x="0" y="0"/>
+          <a:chExt cx="0" cy="0"/>
+        </a:xfrm>
+      </p:grpSpPr>
+      <p:sp>
+        <p:nvSpPr>
+          <p:cNvPr id="2" name="Title 1"/>
+          <p:cNvSpPr>
+            <a:spLocks noGrp="1"/>
+          </p:cNvSpPr>
+          <p:nvPr>
+            <p:ph type="title"/>
+          </p:nvPr>
+        </p:nvSpPr>
+        <p:spPr/>
+        <p:txBody>
+          <a:bodyPr/>
+          <a:lstStyle/>
+          <a:p>
+            <a:r>
+              <a:rPr lang="en-US" dirty="0"/>
+              <a:t>Different parts of EF</a:t>
+            </a:r>
+          </a:p>
+        </p:txBody>
+      </p:sp>
+      <p:pic>
+        <p:nvPicPr>
+          <p:cNvPr id="4" name="Content Placeholder 3"/>
+          <p:cNvPicPr>
+            <a:picLocks noGrp="1" noChangeAspect="1"/>
+          </p:cNvPicPr>
+          <p:nvPr>
+            <p:ph idx="1"/>
+          </p:nvPr>
+        </p:nvPicPr>
+        <p:blipFill>
+          <a:blip r:embed="rId3">
+            <a:extLst>
+              <a:ext uri="{28A0092B-C50C-407E-A947-70E740481C1C}">
+                <a14:useLocalDpi xmlns:a14="http://schemas.microsoft.com/office/drawing/2010/main" val="0"/>
+              </a:ext>
+            </a:extLst>
+          </a:blip>
+          <a:stretch>
+            <a:fillRect/>
+          </a:stretch>
+        </p:blipFill>
+        <p:spPr>
+          <a:xfrm>
+            <a:off x="1914525" y="1952625"/>
+            <a:ext cx="5638800" cy="3213100"/>
+          </a:xfrm>
+        </p:spPr>
+      </p:pic>
+      <p:sp>
+        <p:nvSpPr>
+          <p:cNvPr id="5" name="TextBox 4"/>
+          <p:cNvSpPr txBox="1"/>
+          <p:nvPr/>
+        </p:nvSpPr>
+        <p:spPr>
+          <a:xfrm>
+            <a:off x="2447925" y="5686425"/>
+            <a:ext cx="4876800" cy="352725"/>
+          </a:xfrm>
+          <a:prstGeom prst="rect">
+            <a:avLst/>
+          </a:prstGeom>
+          <a:noFill/>
+        </p:spPr>
+        <p:txBody>
+          <a:bodyPr wrap="square" rtlCol="0">
+            <a:spAutoFit/>
+          </a:bodyPr>
+          <a:lstStyle/>
+          <a:p>
+            <a:r>
+              <a:rPr lang="en-US" dirty="0"/>
+              <a:t>Friedman &amp; Miyake, 2012</a:t>
+            </a:r>
+          </a:p>
+        </p:txBody>
+      </p:sp>
+    </p:spTree>
+    <p:extLst>
+      <p:ext uri="{BB962C8B-B14F-4D97-AF65-F5344CB8AC3E}">
+        <p14:creationId xmlns:p14="http://schemas.microsoft.com/office/powerpoint/2010/main" val="2581104296"/>
+      </p:ext>
+    </p:extLst>
+  </p:cSld>
+  <p:clrMapOvr>
+    <a:masterClrMapping/>
+  </p:clrMapOvr>
+</p:sld>
+</file>
+
+<file path=ppt/slides/slide25.xml><?xml version="1.0" encoding="utf-8"?>
+<p:sld xmlns:a="http://schemas.openxmlformats.org/drawingml/2006/main" xmlns:r="http://schemas.openxmlformats.org/officeDocument/2006/relationships" xmlns:p="http://schemas.openxmlformats.org/presentationml/2006/main">
+  <p:cSld>
+    <p:spTree>
+      <p:nvGrpSpPr>
+        <p:cNvPr id="1" name=""/>
+        <p:cNvGrpSpPr/>
+        <p:nvPr/>
+      </p:nvGrpSpPr>
+      <p:grpSpPr>
+        <a:xfrm>
+          <a:off x="0" y="0"/>
+          <a:ext cx="0" cy="0"/>
+          <a:chOff x="0" y="0"/>
+          <a:chExt cx="0" cy="0"/>
+        </a:xfrm>
+      </p:grpSpPr>
+      <p:sp>
+        <p:nvSpPr>
+          <p:cNvPr id="2" name="Title 1"/>
+          <p:cNvSpPr>
+            <a:spLocks noGrp="1"/>
+          </p:cNvSpPr>
+          <p:nvPr>
+            <p:ph type="title"/>
+          </p:nvPr>
+        </p:nvSpPr>
+        <p:spPr/>
+        <p:txBody>
+          <a:bodyPr/>
+          <a:lstStyle/>
+          <a:p>
+            <a:r>
+              <a:rPr lang="en-US" dirty="0"/>
               <a:t>Biological Basis of PBWM</a:t>
             </a:r>
-            <a:endParaRPr lang="en-US" dirty="0"/>
           </a:p>
         </p:txBody>
       </p:sp>
@@ -6853,7 +7631,7 @@
           <a:effectLst/>
           <a:extLst>
             <a:ext uri="{909E8E84-426E-40dd-AFC4-6F175D3DCCD1}">
-              <a14:hiddenFill xmlns:a14="http://schemas.microsoft.com/office/drawing/2010/main">
+              <a14:hiddenFill xmlns:a14="http://schemas.microsoft.com/office/drawing/2010/main" xmlns="">
                 <a:blipFill dpi="0" rotWithShape="0">
                   <a:blip/>
                   <a:srcRect/>
@@ -6864,7 +7642,7 @@
               </a14:hiddenFill>
             </a:ext>
             <a:ext uri="{91240B29-F687-4f45-9708-019B960494DF}">
-              <a14:hiddenLine xmlns:a14="http://schemas.microsoft.com/office/drawing/2010/main" w="9525">
+              <a14:hiddenLine xmlns:a14="http://schemas.microsoft.com/office/drawing/2010/main" xmlns="" w="9525">
                 <a:solidFill>
                   <a:srgbClr val="000000"/>
                 </a:solidFill>
@@ -6874,7 +7652,7 @@
               </a14:hiddenLine>
             </a:ext>
             <a:ext uri="{AF507438-7753-43e0-B8FC-AC1667EBCBE1}">
-              <a14:hiddenEffects xmlns:a14="http://schemas.microsoft.com/office/drawing/2010/main">
+              <a14:hiddenEffects xmlns:a14="http://schemas.microsoft.com/office/drawing/2010/main" xmlns="">
                 <a:effectLst>
                   <a:outerShdw blurRad="63500" dist="38099" dir="2700000" algn="ctr" rotWithShape="0">
                     <a:srgbClr val="000000">
@@ -6915,12 +7693,12 @@
           <a:effectLst/>
           <a:extLst>
             <a:ext uri="{909E8E84-426E-40dd-AFC4-6F175D3DCCD1}">
-              <a14:hiddenFill xmlns:a14="http://schemas.microsoft.com/office/drawing/2010/main">
+              <a14:hiddenFill xmlns:a14="http://schemas.microsoft.com/office/drawing/2010/main" xmlns="">
                 <a:noFill/>
               </a14:hiddenFill>
             </a:ext>
             <a:ext uri="{AF507438-7753-43e0-B8FC-AC1667EBCBE1}">
-              <a14:hiddenEffects xmlns:a14="http://schemas.microsoft.com/office/drawing/2010/main">
+              <a14:hiddenEffects xmlns:a14="http://schemas.microsoft.com/office/drawing/2010/main" xmlns="">
                 <a:effectLst>
                   <a:outerShdw blurRad="63500" dist="38099" dir="2700000" algn="ctr" rotWithShape="0">
                     <a:srgbClr val="000000">
@@ -6976,7 +7754,7 @@
           <a:effectLst/>
           <a:extLst>
             <a:ext uri="{909E8E84-426E-40dd-AFC4-6F175D3DCCD1}">
-              <a14:hiddenFill xmlns:a14="http://schemas.microsoft.com/office/drawing/2010/main">
+              <a14:hiddenFill xmlns:a14="http://schemas.microsoft.com/office/drawing/2010/main" xmlns="">
                 <a:blipFill dpi="0" rotWithShape="0">
                   <a:blip/>
                   <a:srcRect/>
@@ -6987,7 +7765,7 @@
               </a14:hiddenFill>
             </a:ext>
             <a:ext uri="{91240B29-F687-4f45-9708-019B960494DF}">
-              <a14:hiddenLine xmlns:a14="http://schemas.microsoft.com/office/drawing/2010/main" w="9525">
+              <a14:hiddenLine xmlns:a14="http://schemas.microsoft.com/office/drawing/2010/main" xmlns="" w="9525">
                 <a:solidFill>
                   <a:srgbClr val="000000"/>
                 </a:solidFill>
@@ -6997,7 +7775,7 @@
               </a14:hiddenLine>
             </a:ext>
             <a:ext uri="{AF507438-7753-43e0-B8FC-AC1667EBCBE1}">
-              <a14:hiddenEffects xmlns:a14="http://schemas.microsoft.com/office/drawing/2010/main">
+              <a14:hiddenEffects xmlns:a14="http://schemas.microsoft.com/office/drawing/2010/main" xmlns="">
                 <a:effectLst>
                   <a:outerShdw blurRad="63500" dist="38099" dir="2700000" algn="ctr" rotWithShape="0">
                     <a:srgbClr val="000000">
@@ -7020,11 +7798,11 @@
   <p:clrMapOvr>
     <a:masterClrMapping/>
   </p:clrMapOvr>
-  <p:transition xmlns:p14="http://schemas.microsoft.com/office/powerpoint/2010/main" spd="med"/>
+  <p:transition spd="med"/>
   <p:timing>
     <p:tnLst>
       <p:par>
-        <p:cTn xmlns:p14="http://schemas.microsoft.com/office/powerpoint/2010/main" id="1" dur="indefinite" restart="never" nodeType="tmRoot">
+        <p:cTn id="1" dur="indefinite" restart="never" nodeType="tmRoot">
           <p:childTnLst>
             <p:seq concurrent="1" nextAc="seek">
               <p:cTn id="2" dur="0" nodeType="mainSeq"/>
@@ -7148,7 +7926,7 @@
           <a:effectLst/>
           <a:extLst>
             <a:ext uri="{909E8E84-426E-40dd-AFC4-6F175D3DCCD1}">
-              <a14:hiddenFill xmlns:a14="http://schemas.microsoft.com/office/drawing/2010/main">
+              <a14:hiddenFill xmlns:a14="http://schemas.microsoft.com/office/drawing/2010/main" xmlns="">
                 <a:blipFill dpi="0" rotWithShape="0">
                   <a:blip/>
                   <a:srcRect/>
@@ -7159,7 +7937,7 @@
               </a14:hiddenFill>
             </a:ext>
             <a:ext uri="{91240B29-F687-4f45-9708-019B960494DF}">
-              <a14:hiddenLine xmlns:a14="http://schemas.microsoft.com/office/drawing/2010/main" w="9525">
+              <a14:hiddenLine xmlns:a14="http://schemas.microsoft.com/office/drawing/2010/main" xmlns="" w="9525">
                 <a:solidFill>
                   <a:srgbClr val="000000"/>
                 </a:solidFill>
@@ -7169,7 +7947,7 @@
               </a14:hiddenLine>
             </a:ext>
             <a:ext uri="{AF507438-7753-43e0-B8FC-AC1667EBCBE1}">
-              <a14:hiddenEffects xmlns:a14="http://schemas.microsoft.com/office/drawing/2010/main">
+              <a14:hiddenEffects xmlns:a14="http://schemas.microsoft.com/office/drawing/2010/main" xmlns="">
                 <a:effectLst>
                   <a:outerShdw blurRad="63500" dist="38099" dir="2700000" algn="ctr" rotWithShape="0">
                     <a:srgbClr val="000000">
@@ -7192,11 +7970,11 @@
   <p:clrMapOvr>
     <a:masterClrMapping/>
   </p:clrMapOvr>
-  <p:transition xmlns:p14="http://schemas.microsoft.com/office/powerpoint/2010/main" spd="med"/>
+  <p:transition spd="med"/>
   <p:timing>
     <p:tnLst>
       <p:par>
-        <p:cTn xmlns:p14="http://schemas.microsoft.com/office/powerpoint/2010/main" id="1" dur="indefinite" restart="never" nodeType="tmRoot">
+        <p:cTn id="1" dur="indefinite" restart="never" nodeType="tmRoot">
           <p:childTnLst>
             <p:seq concurrent="1" nextAc="seek">
               <p:cTn id="2" dur="0" nodeType="mainSeq"/>
@@ -7256,10 +8034,9 @@
           <a:lstStyle/>
           <a:p>
             <a:r>
-              <a:rPr lang="en-US" dirty="0" smtClean="0"/>
+              <a:rPr lang="en-US" dirty="0"/>
               <a:t>It Takes a Network..</a:t>
             </a:r>
-            <a:endParaRPr lang="en-US" dirty="0"/>
           </a:p>
         </p:txBody>
       </p:sp>
@@ -7318,7 +8095,7 @@
           <a:effectLst/>
           <a:extLst>
             <a:ext uri="{909E8E84-426E-40dd-AFC4-6F175D3DCCD1}">
-              <a14:hiddenFill xmlns:a14="http://schemas.microsoft.com/office/drawing/2010/main">
+              <a14:hiddenFill xmlns:a14="http://schemas.microsoft.com/office/drawing/2010/main" xmlns="">
                 <a:blipFill dpi="0" rotWithShape="0">
                   <a:blip/>
                   <a:srcRect/>
@@ -7329,7 +8106,7 @@
               </a14:hiddenFill>
             </a:ext>
             <a:ext uri="{91240B29-F687-4f45-9708-019B960494DF}">
-              <a14:hiddenLine xmlns:a14="http://schemas.microsoft.com/office/drawing/2010/main" w="9525">
+              <a14:hiddenLine xmlns:a14="http://schemas.microsoft.com/office/drawing/2010/main" xmlns="" w="9525">
                 <a:solidFill>
                   <a:srgbClr val="000000"/>
                 </a:solidFill>
@@ -7339,7 +8116,7 @@
               </a14:hiddenLine>
             </a:ext>
             <a:ext uri="{AF507438-7753-43e0-B8FC-AC1667EBCBE1}">
-              <a14:hiddenEffects xmlns:a14="http://schemas.microsoft.com/office/drawing/2010/main">
+              <a14:hiddenEffects xmlns:a14="http://schemas.microsoft.com/office/drawing/2010/main" xmlns="">
                 <a:effectLst>
                   <a:outerShdw blurRad="63500" dist="38099" dir="2700000" algn="ctr" rotWithShape="0">
                     <a:srgbClr val="000000">
@@ -7403,10 +8180,9 @@
           <a:lstStyle/>
           <a:p>
             <a:r>
-              <a:rPr lang="en-US" dirty="0" smtClean="0"/>
+              <a:rPr lang="en-US" dirty="0"/>
               <a:t>PFC Does Active Maintenance</a:t>
             </a:r>
-            <a:endParaRPr lang="en-US" dirty="0"/>
           </a:p>
         </p:txBody>
       </p:sp>
@@ -7481,10 +8257,9 @@
           <a:lstStyle/>
           <a:p>
             <a:r>
-              <a:rPr lang="en-US" dirty="0" smtClean="0"/>
+              <a:rPr lang="en-US" dirty="0"/>
               <a:t>Active Maintenance Can Do it All</a:t>
             </a:r>
-            <a:endParaRPr lang="en-US" dirty="0"/>
           </a:p>
         </p:txBody>
       </p:sp>
@@ -7774,11 +8549,11 @@
   <p:clrMapOvr>
     <a:masterClrMapping/>
   </p:clrMapOvr>
-  <p:transition xmlns:p14="http://schemas.microsoft.com/office/powerpoint/2010/main" spd="med"/>
+  <p:transition spd="med"/>
   <p:timing>
     <p:tnLst>
       <p:par>
-        <p:cTn xmlns:p14="http://schemas.microsoft.com/office/powerpoint/2010/main" id="1" dur="indefinite" restart="never" nodeType="tmRoot">
+        <p:cTn id="1" dur="indefinite" restart="never" nodeType="tmRoot">
           <p:childTnLst>
             <p:seq concurrent="1" nextAc="seek">
               <p:cTn id="2" dur="0" nodeType="mainSeq"/>
@@ -7838,14 +8613,13 @@
           <a:lstStyle/>
           <a:p>
             <a:r>
-              <a:rPr lang="en-US" dirty="0" err="1" smtClean="0"/>
+              <a:rPr lang="en-US" dirty="0" err="1"/>
               <a:t>Stroop</a:t>
             </a:r>
             <a:r>
-              <a:rPr lang="en-US" dirty="0" smtClean="0"/>
+              <a:rPr lang="en-US" dirty="0"/>
               <a:t> Task: Top Down Biasing</a:t>
             </a:r>
-            <a:endParaRPr lang="en-US" dirty="0"/>
           </a:p>
         </p:txBody>
       </p:sp>

--- a/ccn/randy_slides/oreilly_ccn_executive.pptx
+++ b/ccn/randy_slides/oreilly_ccn_executive.pptx
@@ -26,12 +26,12 @@
     <p:sldId id="264" r:id="rId17"/>
     <p:sldId id="265" r:id="rId18"/>
     <p:sldId id="293" r:id="rId19"/>
-    <p:sldId id="278" r:id="rId20"/>
-    <p:sldId id="275" r:id="rId21"/>
-    <p:sldId id="280" r:id="rId22"/>
-    <p:sldId id="294" r:id="rId23"/>
-    <p:sldId id="291" r:id="rId24"/>
-    <p:sldId id="284" r:id="rId25"/>
+    <p:sldId id="284" r:id="rId20"/>
+    <p:sldId id="291" r:id="rId21"/>
+    <p:sldId id="366" r:id="rId22"/>
+    <p:sldId id="275" r:id="rId23"/>
+    <p:sldId id="280" r:id="rId24"/>
+    <p:sldId id="294" r:id="rId25"/>
     <p:sldId id="277" r:id="rId26"/>
   </p:sldIdLst>
   <p:sldSz cx="10077450" cy="7562850"/>
@@ -1514,11 +1514,23 @@
           <a:p>
             <a:r>
               <a:rPr lang="en-US" dirty="0"/>
-              <a:t>The prefrontal cortex (also called neocortex), is </a:t>
+              <a:t>In this</a:t>
             </a:r>
             <a:r>
               <a:rPr lang="en-US" baseline="0" dirty="0"/>
-              <a:t>most developed in humans. In the graphic below, you can see that monkeys, especially chimpanzees and gorillas also have a prefrontal cortex</a:t>
+              <a:t> “factor” analysis, they compared performance of several updating and shifting tasks to find out what abilities were shared among them</a:t>
+            </a:r>
+          </a:p>
+          <a:p>
+            <a:r>
+              <a:rPr lang="en-US" baseline="0" dirty="0"/>
+              <a:t>They found a “common” EF ability that correlated with the ability to do all of these tasks, as well as specific updating and shifting abilities that were specific to those types of tasks</a:t>
+            </a:r>
+          </a:p>
+          <a:p>
+            <a:r>
+              <a:rPr lang="en-US" baseline="0" dirty="0"/>
+              <a:t>Inhibition was not a specific factor, but correlated with common EF</a:t>
             </a:r>
             <a:endParaRPr lang="en-US" dirty="0"/>
           </a:p>
@@ -1542,7 +1554,7 @@
             <a:fld id="{47050F4D-C8E8-3F4B-A05D-07E398CC0A55}" type="slidenum">
               <a:rPr lang="en-US" smtClean="0"/>
               <a:pPr/>
-              <a:t>22</a:t>
+              <a:t>19</a:t>
             </a:fld>
             <a:endParaRPr lang="en-US"/>
           </a:p>
@@ -1551,7 +1563,7 @@
     </p:spTree>
     <p:extLst>
       <p:ext uri="{BB962C8B-B14F-4D97-AF65-F5344CB8AC3E}">
-        <p14:creationId xmlns:p14="http://schemas.microsoft.com/office/powerpoint/2010/main" val="570898633"/>
+        <p14:creationId xmlns:p14="http://schemas.microsoft.com/office/powerpoint/2010/main" val="1717198317"/>
       </p:ext>
     </p:extLst>
   </p:cSld>
@@ -1638,7 +1650,7 @@
             <a:fld id="{47050F4D-C8E8-3F4B-A05D-07E398CC0A55}" type="slidenum">
               <a:rPr lang="en-US" smtClean="0"/>
               <a:pPr/>
-              <a:t>23</a:t>
+              <a:t>20</a:t>
             </a:fld>
             <a:endParaRPr lang="en-US"/>
           </a:p>
@@ -1703,23 +1715,11 @@
           <a:p>
             <a:r>
               <a:rPr lang="en-US" dirty="0"/>
-              <a:t>In this</a:t>
+              <a:t>The prefrontal cortex (also called neocortex), is </a:t>
             </a:r>
             <a:r>
               <a:rPr lang="en-US" baseline="0" dirty="0"/>
-              <a:t> “factor” analysis, they compared performance of several updating and shifting tasks to find out what abilities were shared among them</a:t>
-            </a:r>
-          </a:p>
-          <a:p>
-            <a:r>
-              <a:rPr lang="en-US" baseline="0" dirty="0"/>
-              <a:t>They found a “common” EF ability that correlated with the ability to do all of these tasks, as well as specific updating and shifting abilities that were specific to those types of tasks</a:t>
-            </a:r>
-          </a:p>
-          <a:p>
-            <a:r>
-              <a:rPr lang="en-US" baseline="0" dirty="0"/>
-              <a:t>Inhibition was not a specific factor, but correlated with common EF</a:t>
+              <a:t>most developed in humans. In the graphic below, you can see that monkeys, especially chimpanzees and gorillas also have a prefrontal cortex</a:t>
             </a:r>
             <a:endParaRPr lang="en-US" dirty="0"/>
           </a:p>
@@ -1752,7 +1752,7 @@
     </p:spTree>
     <p:extLst>
       <p:ext uri="{BB962C8B-B14F-4D97-AF65-F5344CB8AC3E}">
-        <p14:creationId xmlns:p14="http://schemas.microsoft.com/office/powerpoint/2010/main" val="1717198317"/>
+        <p14:creationId xmlns:p14="http://schemas.microsoft.com/office/powerpoint/2010/main" val="570898633"/>
       </p:ext>
     </p:extLst>
   </p:cSld>
@@ -6413,25 +6413,6 @@
           </a:p>
         </p:txBody>
       </p:sp>
-      <p:sp>
-        <p:nvSpPr>
-          <p:cNvPr id="6" name="Content Placeholder 5"/>
-          <p:cNvSpPr>
-            <a:spLocks noGrp="1"/>
-          </p:cNvSpPr>
-          <p:nvPr>
-            <p:ph idx="1"/>
-          </p:nvPr>
-        </p:nvSpPr>
-        <p:spPr/>
-        <p:txBody>
-          <a:bodyPr/>
-          <a:lstStyle/>
-          <a:p>
-            <a:endParaRPr lang="en-US"/>
-          </a:p>
-        </p:txBody>
-      </p:sp>
       <p:pic>
         <p:nvPicPr>
           <p:cNvPr id="4" name="Picture 3"/>
@@ -6542,7 +6523,12 @@
             <p:ph type="title"/>
           </p:nvPr>
         </p:nvSpPr>
-        <p:spPr/>
+        <p:spPr>
+          <a:xfrm>
+            <a:off x="503242" y="301626"/>
+            <a:ext cx="9067799" cy="812800"/>
+          </a:xfrm>
+        </p:spPr>
         <p:txBody>
           <a:bodyPr/>
           <a:lstStyle/>
@@ -6578,8 +6564,8 @@
         </p:blipFill>
         <p:spPr>
           <a:xfrm>
-            <a:off x="1148723" y="1770063"/>
-            <a:ext cx="7776830" cy="4989512"/>
+            <a:off x="683548" y="1419225"/>
+            <a:ext cx="8788834" cy="5638800"/>
           </a:xfrm>
         </p:spPr>
       </p:pic>
@@ -6630,7 +6616,7 @@
           <a:p>
             <a:r>
               <a:rPr lang="en-US" dirty="0"/>
-              <a:t>Chain of Command..</a:t>
+              <a:t>Different parts of EF</a:t>
             </a:r>
           </a:p>
         </p:txBody>
@@ -6646,7 +6632,7 @@
           </p:nvPr>
         </p:nvPicPr>
         <p:blipFill>
-          <a:blip r:embed="rId2">
+          <a:blip r:embed="rId3">
             <a:extLst>
               <a:ext uri="{28A0092B-C50C-407E-A947-70E740481C1C}">
                 <a14:useLocalDpi xmlns:a14="http://schemas.microsoft.com/office/drawing/2010/main" val="0"/>
@@ -6659,15 +6645,44 @@
         </p:blipFill>
         <p:spPr>
           <a:xfrm>
-            <a:off x="503245" y="1800173"/>
-            <a:ext cx="9067797" cy="4929296"/>
+            <a:off x="1914525" y="1952625"/>
+            <a:ext cx="5638800" cy="3213100"/>
           </a:xfrm>
         </p:spPr>
       </p:pic>
+      <p:sp>
+        <p:nvSpPr>
+          <p:cNvPr id="5" name="TextBox 4"/>
+          <p:cNvSpPr txBox="1"/>
+          <p:nvPr/>
+        </p:nvSpPr>
+        <p:spPr>
+          <a:xfrm>
+            <a:off x="2447925" y="5686425"/>
+            <a:ext cx="4876800" cy="352725"/>
+          </a:xfrm>
+          <a:prstGeom prst="rect">
+            <a:avLst/>
+          </a:prstGeom>
+          <a:noFill/>
+        </p:spPr>
+        <p:txBody>
+          <a:bodyPr wrap="square" rtlCol="0">
+            <a:spAutoFit/>
+          </a:bodyPr>
+          <a:lstStyle/>
+          <a:p>
+            <a:r>
+              <a:rPr lang="en-US" dirty="0"/>
+              <a:t>Friedman &amp; Miyake, 2012</a:t>
+            </a:r>
+          </a:p>
+        </p:txBody>
+      </p:sp>
     </p:spTree>
     <p:extLst>
       <p:ext uri="{BB962C8B-B14F-4D97-AF65-F5344CB8AC3E}">
-        <p14:creationId xmlns:p14="http://schemas.microsoft.com/office/powerpoint/2010/main" val="1811040096"/>
+        <p14:creationId xmlns:p14="http://schemas.microsoft.com/office/powerpoint/2010/main" val="2581104296"/>
       </p:ext>
     </p:extLst>
   </p:cSld>
@@ -6739,8 +6754,8 @@
         </p:blipFill>
         <p:spPr>
           <a:xfrm>
-            <a:off x="5648328" y="1724027"/>
-            <a:ext cx="3231215" cy="4989513"/>
+            <a:off x="5038726" y="1724028"/>
+            <a:ext cx="3840818" cy="5525130"/>
           </a:xfrm>
         </p:spPr>
       </p:pic>
@@ -6752,8 +6767,8 @@
         </p:nvSpPr>
         <p:spPr>
           <a:xfrm>
-            <a:off x="771525" y="1952629"/>
-            <a:ext cx="4495800" cy="2931879"/>
+            <a:off x="619125" y="2315485"/>
+            <a:ext cx="4495800" cy="3332679"/>
           </a:xfrm>
           <a:prstGeom prst="rect">
             <a:avLst/>
@@ -6770,6 +6785,9 @@
               <a:rPr lang="en-US" sz="2800" dirty="0"/>
               <a:t>Prefrontal Cortex?</a:t>
             </a:r>
+          </a:p>
+          <a:p>
+            <a:endParaRPr lang="en-US" sz="2800" dirty="0"/>
           </a:p>
           <a:p>
             <a:r>
@@ -6876,23 +6894,71 @@
           <a:p>
             <a:r>
               <a:rPr lang="en-US" dirty="0"/>
-              <a:t>Executive Function</a:t>
+              <a:t>Baddeley/Hitch model</a:t>
+            </a:r>
+          </a:p>
+        </p:txBody>
+      </p:sp>
+      <p:sp>
+        <p:nvSpPr>
+          <p:cNvPr id="3" name="Text Placeholder 2"/>
+          <p:cNvSpPr>
+            <a:spLocks noGrp="1"/>
+          </p:cNvSpPr>
+          <p:nvPr>
+            <p:ph type="body" sz="half" idx="1"/>
+          </p:nvPr>
+        </p:nvSpPr>
+        <p:spPr>
+          <a:xfrm>
+            <a:off x="503079" y="3933825"/>
+            <a:ext cx="8879046" cy="2827001"/>
+          </a:xfrm>
+        </p:spPr>
+        <p:txBody>
+          <a:bodyPr/>
+          <a:lstStyle/>
+          <a:p>
+            <a:r>
+              <a:rPr lang="en-US" dirty="0"/>
+              <a:t>Influential account of working memory</a:t>
+            </a:r>
+          </a:p>
+          <a:p>
+            <a:pPr lvl="1"/>
+            <a:r>
+              <a:rPr lang="en-US" dirty="0"/>
+              <a:t>Phonological loop: Hold information for a few seconds, maintain through rehearsal</a:t>
+            </a:r>
+          </a:p>
+          <a:p>
+            <a:pPr lvl="1"/>
+            <a:r>
+              <a:rPr lang="en-US" dirty="0"/>
+              <a:t>Central executive: Switch &amp; focus attention</a:t>
+            </a:r>
+          </a:p>
+          <a:p>
+            <a:pPr lvl="1"/>
+            <a:r>
+              <a:rPr lang="en-US" dirty="0"/>
+              <a:t>Visuospatial sketchpad: ongoing manipulation of visual/spatial items</a:t>
             </a:r>
           </a:p>
         </p:txBody>
       </p:sp>
       <p:pic>
         <p:nvPicPr>
-          <p:cNvPr id="5" name="Content Placeholder 4"/>
+          <p:cNvPr id="5" name="Picture Placeholder 4"/>
           <p:cNvPicPr>
             <a:picLocks noGrp="1" noChangeAspect="1"/>
           </p:cNvPicPr>
           <p:nvPr>
-            <p:ph idx="1"/>
+            <p:ph type="clipArt" sz="half" idx="2"/>
           </p:nvPr>
         </p:nvPicPr>
         <p:blipFill>
-          <a:blip r:embed="rId2">
+          <a:blip r:embed="rId3">
             <a:extLst>
               <a:ext uri="{28A0092B-C50C-407E-A947-70E740481C1C}">
                 <a14:useLocalDpi xmlns:a14="http://schemas.microsoft.com/office/drawing/2010/main" val="0"/>
@@ -6905,39 +6971,15 @@
         </p:blipFill>
         <p:spPr>
           <a:xfrm>
-            <a:off x="542927" y="1952627"/>
-            <a:ext cx="9067799" cy="4533899"/>
+            <a:off x="2447925" y="1548468"/>
+            <a:ext cx="4457700" cy="1651000"/>
           </a:xfrm>
         </p:spPr>
       </p:pic>
-      <p:sp>
-        <p:nvSpPr>
-          <p:cNvPr id="4" name="Slide Number Placeholder 3"/>
-          <p:cNvSpPr>
-            <a:spLocks noGrp="1"/>
-          </p:cNvSpPr>
-          <p:nvPr>
-            <p:ph type="sldNum" idx="12"/>
-          </p:nvPr>
-        </p:nvSpPr>
-        <p:spPr/>
-        <p:txBody>
-          <a:bodyPr/>
-          <a:lstStyle/>
-          <a:p>
-            <a:fld id="{5689AE7F-56EB-8D49-9914-836A4F709789}" type="slidenum">
-              <a:rPr lang="en-US" smtClean="0"/>
-              <a:pPr/>
-              <a:t>20</a:t>
-            </a:fld>
-            <a:endParaRPr lang="en-US"/>
-          </a:p>
-        </p:txBody>
-      </p:sp>
     </p:spTree>
     <p:extLst>
       <p:ext uri="{BB962C8B-B14F-4D97-AF65-F5344CB8AC3E}">
-        <p14:creationId xmlns:p14="http://schemas.microsoft.com/office/powerpoint/2010/main" val="4013549150"/>
+        <p14:creationId xmlns:p14="http://schemas.microsoft.com/office/powerpoint/2010/main" val="2038108597"/>
       </p:ext>
     </p:extLst>
   </p:cSld>
@@ -6974,6 +7016,185 @@
             <p:ph type="title"/>
           </p:nvPr>
         </p:nvSpPr>
+        <p:spPr/>
+        <p:txBody>
+          <a:bodyPr/>
+          <a:lstStyle/>
+          <a:p>
+            <a:r>
+              <a:rPr lang="en-US" dirty="0"/>
+              <a:t>Chain of Command..</a:t>
+            </a:r>
+          </a:p>
+        </p:txBody>
+      </p:sp>
+      <p:pic>
+        <p:nvPicPr>
+          <p:cNvPr id="4" name="Content Placeholder 3"/>
+          <p:cNvPicPr>
+            <a:picLocks noGrp="1" noChangeAspect="1"/>
+          </p:cNvPicPr>
+          <p:nvPr>
+            <p:ph idx="1"/>
+          </p:nvPr>
+        </p:nvPicPr>
+        <p:blipFill>
+          <a:blip r:embed="rId2"/>
+          <a:srcRect/>
+          <a:stretch/>
+        </p:blipFill>
+        <p:spPr>
+          <a:xfrm>
+            <a:off x="769532" y="1801421"/>
+            <a:ext cx="8535220" cy="4926192"/>
+          </a:xfrm>
+        </p:spPr>
+      </p:pic>
+    </p:spTree>
+    <p:extLst>
+      <p:ext uri="{BB962C8B-B14F-4D97-AF65-F5344CB8AC3E}">
+        <p14:creationId xmlns:p14="http://schemas.microsoft.com/office/powerpoint/2010/main" val="1789362601"/>
+      </p:ext>
+    </p:extLst>
+  </p:cSld>
+  <p:clrMapOvr>
+    <a:masterClrMapping/>
+  </p:clrMapOvr>
+</p:sld>
+</file>
+
+<file path=ppt/slides/slide22.xml><?xml version="1.0" encoding="utf-8"?>
+<p:sld xmlns:a="http://schemas.openxmlformats.org/drawingml/2006/main" xmlns:r="http://schemas.openxmlformats.org/officeDocument/2006/relationships" xmlns:p="http://schemas.openxmlformats.org/presentationml/2006/main">
+  <p:cSld>
+    <p:spTree>
+      <p:nvGrpSpPr>
+        <p:cNvPr id="1" name=""/>
+        <p:cNvGrpSpPr/>
+        <p:nvPr/>
+      </p:nvGrpSpPr>
+      <p:grpSpPr>
+        <a:xfrm>
+          <a:off x="0" y="0"/>
+          <a:ext cx="0" cy="0"/>
+          <a:chOff x="0" y="0"/>
+          <a:chExt cx="0" cy="0"/>
+        </a:xfrm>
+      </p:grpSpPr>
+      <p:sp>
+        <p:nvSpPr>
+          <p:cNvPr id="2" name="Title 1"/>
+          <p:cNvSpPr>
+            <a:spLocks noGrp="1"/>
+          </p:cNvSpPr>
+          <p:nvPr>
+            <p:ph type="title"/>
+          </p:nvPr>
+        </p:nvSpPr>
+        <p:spPr/>
+        <p:txBody>
+          <a:bodyPr/>
+          <a:lstStyle/>
+          <a:p>
+            <a:r>
+              <a:rPr lang="en-US" dirty="0"/>
+              <a:t>Executive Function</a:t>
+            </a:r>
+          </a:p>
+        </p:txBody>
+      </p:sp>
+      <p:pic>
+        <p:nvPicPr>
+          <p:cNvPr id="5" name="Content Placeholder 4"/>
+          <p:cNvPicPr>
+            <a:picLocks noGrp="1" noChangeAspect="1"/>
+          </p:cNvPicPr>
+          <p:nvPr>
+            <p:ph idx="1"/>
+          </p:nvPr>
+        </p:nvPicPr>
+        <p:blipFill>
+          <a:blip r:embed="rId2">
+            <a:extLst>
+              <a:ext uri="{28A0092B-C50C-407E-A947-70E740481C1C}">
+                <a14:useLocalDpi xmlns:a14="http://schemas.microsoft.com/office/drawing/2010/main" val="0"/>
+              </a:ext>
+            </a:extLst>
+          </a:blip>
+          <a:stretch>
+            <a:fillRect/>
+          </a:stretch>
+        </p:blipFill>
+        <p:spPr>
+          <a:xfrm>
+            <a:off x="542927" y="1952627"/>
+            <a:ext cx="9067799" cy="4533899"/>
+          </a:xfrm>
+        </p:spPr>
+      </p:pic>
+      <p:sp>
+        <p:nvSpPr>
+          <p:cNvPr id="4" name="Slide Number Placeholder 3"/>
+          <p:cNvSpPr>
+            <a:spLocks noGrp="1"/>
+          </p:cNvSpPr>
+          <p:nvPr>
+            <p:ph type="sldNum" idx="12"/>
+          </p:nvPr>
+        </p:nvSpPr>
+        <p:spPr/>
+        <p:txBody>
+          <a:bodyPr/>
+          <a:lstStyle/>
+          <a:p>
+            <a:fld id="{5689AE7F-56EB-8D49-9914-836A4F709789}" type="slidenum">
+              <a:rPr lang="en-US" smtClean="0"/>
+              <a:pPr/>
+              <a:t>22</a:t>
+            </a:fld>
+            <a:endParaRPr lang="en-US"/>
+          </a:p>
+        </p:txBody>
+      </p:sp>
+    </p:spTree>
+    <p:extLst>
+      <p:ext uri="{BB962C8B-B14F-4D97-AF65-F5344CB8AC3E}">
+        <p14:creationId xmlns:p14="http://schemas.microsoft.com/office/powerpoint/2010/main" val="4013549150"/>
+      </p:ext>
+    </p:extLst>
+  </p:cSld>
+  <p:clrMapOvr>
+    <a:masterClrMapping/>
+  </p:clrMapOvr>
+</p:sld>
+</file>
+
+<file path=ppt/slides/slide23.xml><?xml version="1.0" encoding="utf-8"?>
+<p:sld xmlns:a="http://schemas.openxmlformats.org/drawingml/2006/main" xmlns:r="http://schemas.openxmlformats.org/officeDocument/2006/relationships" xmlns:p="http://schemas.openxmlformats.org/presentationml/2006/main">
+  <p:cSld>
+    <p:spTree>
+      <p:nvGrpSpPr>
+        <p:cNvPr id="1" name=""/>
+        <p:cNvGrpSpPr/>
+        <p:nvPr/>
+      </p:nvGrpSpPr>
+      <p:grpSpPr>
+        <a:xfrm>
+          <a:off x="0" y="0"/>
+          <a:ext cx="0" cy="0"/>
+          <a:chOff x="0" y="0"/>
+          <a:chExt cx="0" cy="0"/>
+        </a:xfrm>
+      </p:grpSpPr>
+      <p:sp>
+        <p:nvSpPr>
+          <p:cNvPr id="2" name="Title 1"/>
+          <p:cNvSpPr>
+            <a:spLocks noGrp="1"/>
+          </p:cNvSpPr>
+          <p:nvPr>
+            <p:ph type="title"/>
+          </p:nvPr>
+        </p:nvSpPr>
         <p:spPr>
           <a:xfrm>
             <a:off x="6638925" y="301625"/>
@@ -7049,7 +7270,7 @@
             <a:fld id="{5689AE7F-56EB-8D49-9914-836A4F709789}" type="slidenum">
               <a:rPr lang="en-US" smtClean="0"/>
               <a:pPr/>
-              <a:t>21</a:t>
+              <a:t>23</a:t>
             </a:fld>
             <a:endParaRPr lang="en-US" dirty="0"/>
           </a:p>
@@ -7068,7 +7289,7 @@
 </p:sld>
 </file>
 
-<file path=ppt/slides/slide22.xml><?xml version="1.0" encoding="utf-8"?>
+<file path=ppt/slides/slide24.xml><?xml version="1.0" encoding="utf-8"?>
 <p:sld xmlns:a="http://schemas.openxmlformats.org/drawingml/2006/main" xmlns:r="http://schemas.openxmlformats.org/officeDocument/2006/relationships" xmlns:p="http://schemas.openxmlformats.org/presentationml/2006/main">
   <p:cSld>
     <p:spTree>
@@ -7164,245 +7385,6 @@
     <p:extLst>
       <p:ext uri="{BB962C8B-B14F-4D97-AF65-F5344CB8AC3E}">
         <p14:creationId xmlns:p14="http://schemas.microsoft.com/office/powerpoint/2010/main" val="3765906743"/>
-      </p:ext>
-    </p:extLst>
-  </p:cSld>
-  <p:clrMapOvr>
-    <a:masterClrMapping/>
-  </p:clrMapOvr>
-</p:sld>
-</file>
-
-<file path=ppt/slides/slide23.xml><?xml version="1.0" encoding="utf-8"?>
-<p:sld xmlns:a="http://schemas.openxmlformats.org/drawingml/2006/main" xmlns:r="http://schemas.openxmlformats.org/officeDocument/2006/relationships" xmlns:p="http://schemas.openxmlformats.org/presentationml/2006/main">
-  <p:cSld>
-    <p:spTree>
-      <p:nvGrpSpPr>
-        <p:cNvPr id="1" name=""/>
-        <p:cNvGrpSpPr/>
-        <p:nvPr/>
-      </p:nvGrpSpPr>
-      <p:grpSpPr>
-        <a:xfrm>
-          <a:off x="0" y="0"/>
-          <a:ext cx="0" cy="0"/>
-          <a:chOff x="0" y="0"/>
-          <a:chExt cx="0" cy="0"/>
-        </a:xfrm>
-      </p:grpSpPr>
-      <p:sp>
-        <p:nvSpPr>
-          <p:cNvPr id="2" name="Title 1"/>
-          <p:cNvSpPr>
-            <a:spLocks noGrp="1"/>
-          </p:cNvSpPr>
-          <p:nvPr>
-            <p:ph type="title"/>
-          </p:nvPr>
-        </p:nvSpPr>
-        <p:spPr/>
-        <p:txBody>
-          <a:bodyPr/>
-          <a:lstStyle/>
-          <a:p>
-            <a:r>
-              <a:rPr lang="en-US" dirty="0"/>
-              <a:t>Baddeley/Hitch model</a:t>
-            </a:r>
-          </a:p>
-        </p:txBody>
-      </p:sp>
-      <p:sp>
-        <p:nvSpPr>
-          <p:cNvPr id="3" name="Text Placeholder 2"/>
-          <p:cNvSpPr>
-            <a:spLocks noGrp="1"/>
-          </p:cNvSpPr>
-          <p:nvPr>
-            <p:ph type="body" sz="half" idx="1"/>
-          </p:nvPr>
-        </p:nvSpPr>
-        <p:spPr>
-          <a:xfrm>
-            <a:off x="503079" y="3933825"/>
-            <a:ext cx="8879046" cy="2827001"/>
-          </a:xfrm>
-        </p:spPr>
-        <p:txBody>
-          <a:bodyPr/>
-          <a:lstStyle/>
-          <a:p>
-            <a:r>
-              <a:rPr lang="en-US" dirty="0"/>
-              <a:t>Influential account of working memory</a:t>
-            </a:r>
-          </a:p>
-          <a:p>
-            <a:pPr lvl="1"/>
-            <a:r>
-              <a:rPr lang="en-US" dirty="0"/>
-              <a:t>Phonological loop: Hold information for a few seconds, maintain through rehearsal</a:t>
-            </a:r>
-          </a:p>
-          <a:p>
-            <a:pPr lvl="1"/>
-            <a:r>
-              <a:rPr lang="en-US" dirty="0"/>
-              <a:t>Central executive: Switch &amp; focus attention</a:t>
-            </a:r>
-          </a:p>
-          <a:p>
-            <a:pPr lvl="1"/>
-            <a:r>
-              <a:rPr lang="en-US" dirty="0"/>
-              <a:t>Visuospatial sketchpad: ongoing manipulation of visual/spatial items</a:t>
-            </a:r>
-          </a:p>
-        </p:txBody>
-      </p:sp>
-      <p:pic>
-        <p:nvPicPr>
-          <p:cNvPr id="5" name="Picture Placeholder 4"/>
-          <p:cNvPicPr>
-            <a:picLocks noGrp="1" noChangeAspect="1"/>
-          </p:cNvPicPr>
-          <p:nvPr>
-            <p:ph type="clipArt" sz="half" idx="2"/>
-          </p:nvPr>
-        </p:nvPicPr>
-        <p:blipFill>
-          <a:blip r:embed="rId3">
-            <a:extLst>
-              <a:ext uri="{28A0092B-C50C-407E-A947-70E740481C1C}">
-                <a14:useLocalDpi xmlns:a14="http://schemas.microsoft.com/office/drawing/2010/main" val="0"/>
-              </a:ext>
-            </a:extLst>
-          </a:blip>
-          <a:stretch>
-            <a:fillRect/>
-          </a:stretch>
-        </p:blipFill>
-        <p:spPr>
-          <a:xfrm>
-            <a:off x="2447925" y="1548468"/>
-            <a:ext cx="4457700" cy="1651000"/>
-          </a:xfrm>
-        </p:spPr>
-      </p:pic>
-    </p:spTree>
-    <p:extLst>
-      <p:ext uri="{BB962C8B-B14F-4D97-AF65-F5344CB8AC3E}">
-        <p14:creationId xmlns:p14="http://schemas.microsoft.com/office/powerpoint/2010/main" val="2038108597"/>
-      </p:ext>
-    </p:extLst>
-  </p:cSld>
-  <p:clrMapOvr>
-    <a:masterClrMapping/>
-  </p:clrMapOvr>
-</p:sld>
-</file>
-
-<file path=ppt/slides/slide24.xml><?xml version="1.0" encoding="utf-8"?>
-<p:sld xmlns:a="http://schemas.openxmlformats.org/drawingml/2006/main" xmlns:r="http://schemas.openxmlformats.org/officeDocument/2006/relationships" xmlns:p="http://schemas.openxmlformats.org/presentationml/2006/main">
-  <p:cSld>
-    <p:spTree>
-      <p:nvGrpSpPr>
-        <p:cNvPr id="1" name=""/>
-        <p:cNvGrpSpPr/>
-        <p:nvPr/>
-      </p:nvGrpSpPr>
-      <p:grpSpPr>
-        <a:xfrm>
-          <a:off x="0" y="0"/>
-          <a:ext cx="0" cy="0"/>
-          <a:chOff x="0" y="0"/>
-          <a:chExt cx="0" cy="0"/>
-        </a:xfrm>
-      </p:grpSpPr>
-      <p:sp>
-        <p:nvSpPr>
-          <p:cNvPr id="2" name="Title 1"/>
-          <p:cNvSpPr>
-            <a:spLocks noGrp="1"/>
-          </p:cNvSpPr>
-          <p:nvPr>
-            <p:ph type="title"/>
-          </p:nvPr>
-        </p:nvSpPr>
-        <p:spPr/>
-        <p:txBody>
-          <a:bodyPr/>
-          <a:lstStyle/>
-          <a:p>
-            <a:r>
-              <a:rPr lang="en-US" dirty="0"/>
-              <a:t>Different parts of EF</a:t>
-            </a:r>
-          </a:p>
-        </p:txBody>
-      </p:sp>
-      <p:pic>
-        <p:nvPicPr>
-          <p:cNvPr id="4" name="Content Placeholder 3"/>
-          <p:cNvPicPr>
-            <a:picLocks noGrp="1" noChangeAspect="1"/>
-          </p:cNvPicPr>
-          <p:nvPr>
-            <p:ph idx="1"/>
-          </p:nvPr>
-        </p:nvPicPr>
-        <p:blipFill>
-          <a:blip r:embed="rId3">
-            <a:extLst>
-              <a:ext uri="{28A0092B-C50C-407E-A947-70E740481C1C}">
-                <a14:useLocalDpi xmlns:a14="http://schemas.microsoft.com/office/drawing/2010/main" val="0"/>
-              </a:ext>
-            </a:extLst>
-          </a:blip>
-          <a:stretch>
-            <a:fillRect/>
-          </a:stretch>
-        </p:blipFill>
-        <p:spPr>
-          <a:xfrm>
-            <a:off x="1914525" y="1952625"/>
-            <a:ext cx="5638800" cy="3213100"/>
-          </a:xfrm>
-        </p:spPr>
-      </p:pic>
-      <p:sp>
-        <p:nvSpPr>
-          <p:cNvPr id="5" name="TextBox 4"/>
-          <p:cNvSpPr txBox="1"/>
-          <p:nvPr/>
-        </p:nvSpPr>
-        <p:spPr>
-          <a:xfrm>
-            <a:off x="2447925" y="5686425"/>
-            <a:ext cx="4876800" cy="352725"/>
-          </a:xfrm>
-          <a:prstGeom prst="rect">
-            <a:avLst/>
-          </a:prstGeom>
-          <a:noFill/>
-        </p:spPr>
-        <p:txBody>
-          <a:bodyPr wrap="square" rtlCol="0">
-            <a:spAutoFit/>
-          </a:bodyPr>
-          <a:lstStyle/>
-          <a:p>
-            <a:r>
-              <a:rPr lang="en-US" dirty="0"/>
-              <a:t>Friedman &amp; Miyake, 2012</a:t>
-            </a:r>
-          </a:p>
-        </p:txBody>
-      </p:sp>
-    </p:spTree>
-    <p:extLst>
-      <p:ext uri="{BB962C8B-B14F-4D97-AF65-F5344CB8AC3E}">
-        <p14:creationId xmlns:p14="http://schemas.microsoft.com/office/powerpoint/2010/main" val="2581104296"/>
       </p:ext>
     </p:extLst>
   </p:cSld>
@@ -8037,25 +8019,6 @@
               <a:rPr lang="en-US" dirty="0"/>
               <a:t>It Takes a Network..</a:t>
             </a:r>
-          </a:p>
-        </p:txBody>
-      </p:sp>
-      <p:sp>
-        <p:nvSpPr>
-          <p:cNvPr id="6" name="Content Placeholder 5"/>
-          <p:cNvSpPr>
-            <a:spLocks noGrp="1"/>
-          </p:cNvSpPr>
-          <p:nvPr>
-            <p:ph idx="1"/>
-          </p:nvPr>
-        </p:nvSpPr>
-        <p:spPr/>
-        <p:txBody>
-          <a:bodyPr/>
-          <a:lstStyle/>
-          <a:p>
-            <a:endParaRPr lang="en-US"/>
           </a:p>
         </p:txBody>
       </p:sp>

--- a/ccn/randy_slides/oreilly_ccn_executive.pptx
+++ b/ccn/randy_slides/oreilly_ccn_executive.pptx
@@ -797,7 +797,7 @@
           </a:ln>
           <a:extLst>
             <a:ext uri="{AF507438-7753-43e0-B8FC-AC1667EBCBE1}">
-              <a14:hiddenEffects xmlns:a14="http://schemas.microsoft.com/office/drawing/2010/main" xmlns="">
+              <a14:hiddenEffects xmlns="" xmlns:a14="http://schemas.microsoft.com/office/drawing/2010/main">
                 <a:effectLst>
                   <a:outerShdw blurRad="63500" dist="38099" dir="2700000" algn="ctr" rotWithShape="0">
                     <a:srgbClr val="000000">
@@ -832,14 +832,14 @@
           <a:ln/>
           <a:extLst>
             <a:ext uri="{909E8E84-426E-40dd-AFC4-6F175D3DCCD1}">
-              <a14:hiddenFill xmlns:a14="http://schemas.microsoft.com/office/drawing/2010/main" xmlns="">
+              <a14:hiddenFill xmlns="" xmlns:a14="http://schemas.microsoft.com/office/drawing/2010/main">
                 <a:solidFill>
                   <a:srgbClr val="FFFFFF"/>
                 </a:solidFill>
               </a14:hiddenFill>
             </a:ext>
             <a:ext uri="{91240B29-F687-4f45-9708-019B960494DF}">
-              <a14:hiddenLine xmlns:a14="http://schemas.microsoft.com/office/drawing/2010/main" xmlns="" w="9525">
+              <a14:hiddenLine xmlns="" xmlns:a14="http://schemas.microsoft.com/office/drawing/2010/main" w="9525">
                 <a:solidFill>
                   <a:srgbClr val="000000"/>
                 </a:solidFill>
@@ -849,7 +849,7 @@
               </a14:hiddenLine>
             </a:ext>
             <a:ext uri="{AF507438-7753-43e0-B8FC-AC1667EBCBE1}">
-              <a14:hiddenEffects xmlns:a14="http://schemas.microsoft.com/office/drawing/2010/main" xmlns="">
+              <a14:hiddenEffects xmlns="" xmlns:a14="http://schemas.microsoft.com/office/drawing/2010/main">
                 <a:effectLst>
                   <a:outerShdw blurRad="63500" dist="38099" dir="2700000" algn="ctr" rotWithShape="0">
                     <a:srgbClr val="000000">
@@ -959,7 +959,7 @@
           </a:ln>
           <a:extLst>
             <a:ext uri="{AF507438-7753-43e0-B8FC-AC1667EBCBE1}">
-              <a14:hiddenEffects xmlns:a14="http://schemas.microsoft.com/office/drawing/2010/main" xmlns="">
+              <a14:hiddenEffects xmlns="" xmlns:a14="http://schemas.microsoft.com/office/drawing/2010/main">
                 <a:effectLst>
                   <a:outerShdw blurRad="63500" dist="38099" dir="2700000" algn="ctr" rotWithShape="0">
                     <a:srgbClr val="000000">
@@ -994,14 +994,14 @@
           <a:ln/>
           <a:extLst>
             <a:ext uri="{909E8E84-426E-40dd-AFC4-6F175D3DCCD1}">
-              <a14:hiddenFill xmlns:a14="http://schemas.microsoft.com/office/drawing/2010/main" xmlns="">
+              <a14:hiddenFill xmlns="" xmlns:a14="http://schemas.microsoft.com/office/drawing/2010/main">
                 <a:solidFill>
                   <a:srgbClr val="FFFFFF"/>
                 </a:solidFill>
               </a14:hiddenFill>
             </a:ext>
             <a:ext uri="{91240B29-F687-4f45-9708-019B960494DF}">
-              <a14:hiddenLine xmlns:a14="http://schemas.microsoft.com/office/drawing/2010/main" xmlns="" w="9525">
+              <a14:hiddenLine xmlns="" xmlns:a14="http://schemas.microsoft.com/office/drawing/2010/main" w="9525">
                 <a:solidFill>
                   <a:srgbClr val="000000"/>
                 </a:solidFill>
@@ -1011,7 +1011,7 @@
               </a14:hiddenLine>
             </a:ext>
             <a:ext uri="{AF507438-7753-43e0-B8FC-AC1667EBCBE1}">
-              <a14:hiddenEffects xmlns:a14="http://schemas.microsoft.com/office/drawing/2010/main" xmlns="">
+              <a14:hiddenEffects xmlns="" xmlns:a14="http://schemas.microsoft.com/office/drawing/2010/main">
                 <a:effectLst>
                   <a:outerShdw blurRad="63500" dist="38099" dir="2700000" algn="ctr" rotWithShape="0">
                     <a:srgbClr val="000000">
@@ -1121,7 +1121,7 @@
           </a:ln>
           <a:extLst>
             <a:ext uri="{AF507438-7753-43e0-B8FC-AC1667EBCBE1}">
-              <a14:hiddenEffects xmlns:a14="http://schemas.microsoft.com/office/drawing/2010/main" xmlns="">
+              <a14:hiddenEffects xmlns="" xmlns:a14="http://schemas.microsoft.com/office/drawing/2010/main">
                 <a:effectLst>
                   <a:outerShdw blurRad="63500" dist="38099" dir="2700000" algn="ctr" rotWithShape="0">
                     <a:srgbClr val="000000">
@@ -1156,14 +1156,14 @@
           <a:ln/>
           <a:extLst>
             <a:ext uri="{909E8E84-426E-40dd-AFC4-6F175D3DCCD1}">
-              <a14:hiddenFill xmlns:a14="http://schemas.microsoft.com/office/drawing/2010/main" xmlns="">
+              <a14:hiddenFill xmlns="" xmlns:a14="http://schemas.microsoft.com/office/drawing/2010/main">
                 <a:solidFill>
                   <a:srgbClr val="FFFFFF"/>
                 </a:solidFill>
               </a14:hiddenFill>
             </a:ext>
             <a:ext uri="{91240B29-F687-4f45-9708-019B960494DF}">
-              <a14:hiddenLine xmlns:a14="http://schemas.microsoft.com/office/drawing/2010/main" xmlns="" w="9525">
+              <a14:hiddenLine xmlns="" xmlns:a14="http://schemas.microsoft.com/office/drawing/2010/main" w="9525">
                 <a:solidFill>
                   <a:srgbClr val="000000"/>
                 </a:solidFill>
@@ -1173,7 +1173,7 @@
               </a14:hiddenLine>
             </a:ext>
             <a:ext uri="{AF507438-7753-43e0-B8FC-AC1667EBCBE1}">
-              <a14:hiddenEffects xmlns:a14="http://schemas.microsoft.com/office/drawing/2010/main" xmlns="">
+              <a14:hiddenEffects xmlns="" xmlns:a14="http://schemas.microsoft.com/office/drawing/2010/main">
                 <a:effectLst>
                   <a:outerShdw blurRad="63500" dist="38099" dir="2700000" algn="ctr" rotWithShape="0">
                     <a:srgbClr val="000000">
@@ -1283,7 +1283,7 @@
           </a:ln>
           <a:extLst>
             <a:ext uri="{AF507438-7753-43e0-B8FC-AC1667EBCBE1}">
-              <a14:hiddenEffects xmlns:a14="http://schemas.microsoft.com/office/drawing/2010/main" xmlns="">
+              <a14:hiddenEffects xmlns="" xmlns:a14="http://schemas.microsoft.com/office/drawing/2010/main">
                 <a:effectLst>
                   <a:outerShdw blurRad="63500" dist="38099" dir="2700000" algn="ctr" rotWithShape="0">
                     <a:srgbClr val="000000">
@@ -1318,14 +1318,14 @@
           <a:ln/>
           <a:extLst>
             <a:ext uri="{909E8E84-426E-40dd-AFC4-6F175D3DCCD1}">
-              <a14:hiddenFill xmlns:a14="http://schemas.microsoft.com/office/drawing/2010/main" xmlns="">
+              <a14:hiddenFill xmlns="" xmlns:a14="http://schemas.microsoft.com/office/drawing/2010/main">
                 <a:solidFill>
                   <a:srgbClr val="FFFFFF"/>
                 </a:solidFill>
               </a14:hiddenFill>
             </a:ext>
             <a:ext uri="{91240B29-F687-4f45-9708-019B960494DF}">
-              <a14:hiddenLine xmlns:a14="http://schemas.microsoft.com/office/drawing/2010/main" xmlns="" w="9525">
+              <a14:hiddenLine xmlns="" xmlns:a14="http://schemas.microsoft.com/office/drawing/2010/main" w="9525">
                 <a:solidFill>
                   <a:srgbClr val="000000"/>
                 </a:solidFill>
@@ -1335,7 +1335,7 @@
               </a14:hiddenLine>
             </a:ext>
             <a:ext uri="{AF507438-7753-43e0-B8FC-AC1667EBCBE1}">
-              <a14:hiddenEffects xmlns:a14="http://schemas.microsoft.com/office/drawing/2010/main" xmlns="">
+              <a14:hiddenEffects xmlns="" xmlns:a14="http://schemas.microsoft.com/office/drawing/2010/main">
                 <a:effectLst>
                   <a:outerShdw blurRad="63500" dist="38099" dir="2700000" algn="ctr" rotWithShape="0">
                     <a:srgbClr val="000000">
@@ -6299,7 +6299,7 @@
           <a:effectLst/>
           <a:extLst>
             <a:ext uri="{909E8E84-426E-40dd-AFC4-6F175D3DCCD1}">
-              <a14:hiddenFill xmlns:a14="http://schemas.microsoft.com/office/drawing/2010/main" xmlns="">
+              <a14:hiddenFill xmlns="" xmlns:a14="http://schemas.microsoft.com/office/drawing/2010/main">
                 <a:blipFill dpi="0" rotWithShape="0">
                   <a:blip/>
                   <a:srcRect/>
@@ -6310,7 +6310,7 @@
               </a14:hiddenFill>
             </a:ext>
             <a:ext uri="{91240B29-F687-4f45-9708-019B960494DF}">
-              <a14:hiddenLine xmlns:a14="http://schemas.microsoft.com/office/drawing/2010/main" xmlns="" w="9525">
+              <a14:hiddenLine xmlns="" xmlns:a14="http://schemas.microsoft.com/office/drawing/2010/main" w="9525">
                 <a:solidFill>
                   <a:srgbClr val="000000"/>
                 </a:solidFill>
@@ -6320,7 +6320,7 @@
               </a14:hiddenLine>
             </a:ext>
             <a:ext uri="{AF507438-7753-43e0-B8FC-AC1667EBCBE1}">
-              <a14:hiddenEffects xmlns:a14="http://schemas.microsoft.com/office/drawing/2010/main" xmlns="">
+              <a14:hiddenEffects xmlns="" xmlns:a14="http://schemas.microsoft.com/office/drawing/2010/main">
                 <a:effectLst>
                   <a:outerShdw blurRad="63500" dist="38099" dir="2700000" algn="ctr" rotWithShape="0">
                     <a:srgbClr val="000000">
@@ -6449,7 +6449,7 @@
           <a:effectLst/>
           <a:extLst>
             <a:ext uri="{909E8E84-426E-40dd-AFC4-6F175D3DCCD1}">
-              <a14:hiddenFill xmlns:a14="http://schemas.microsoft.com/office/drawing/2010/main" xmlns="">
+              <a14:hiddenFill xmlns="" xmlns:a14="http://schemas.microsoft.com/office/drawing/2010/main">
                 <a:blipFill dpi="0" rotWithShape="0">
                   <a:blip/>
                   <a:srcRect/>
@@ -6460,7 +6460,7 @@
               </a14:hiddenFill>
             </a:ext>
             <a:ext uri="{91240B29-F687-4f45-9708-019B960494DF}">
-              <a14:hiddenLine xmlns:a14="http://schemas.microsoft.com/office/drawing/2010/main" xmlns="" w="9525">
+              <a14:hiddenLine xmlns="" xmlns:a14="http://schemas.microsoft.com/office/drawing/2010/main" w="9525">
                 <a:solidFill>
                   <a:srgbClr val="000000"/>
                 </a:solidFill>
@@ -6470,7 +6470,7 @@
               </a14:hiddenLine>
             </a:ext>
             <a:ext uri="{AF507438-7753-43e0-B8FC-AC1667EBCBE1}">
-              <a14:hiddenEffects xmlns:a14="http://schemas.microsoft.com/office/drawing/2010/main" xmlns="">
+              <a14:hiddenEffects xmlns="" xmlns:a14="http://schemas.microsoft.com/office/drawing/2010/main">
                 <a:effectLst>
                   <a:outerShdw blurRad="63500" dist="38099" dir="2700000" algn="ctr" rotWithShape="0">
                     <a:srgbClr val="000000">
@@ -7435,7 +7435,7 @@
       </p:sp>
       <p:pic>
         <p:nvPicPr>
-          <p:cNvPr id="4" name="Content Placeholder 3" descr="fig_pfc_trc_reverb_loops.png"/>
+          <p:cNvPr id="4" name="Content Placeholder 3"/>
           <p:cNvPicPr>
             <a:picLocks noGrp="1" noChangeAspect="1"/>
           </p:cNvPicPr>
@@ -7444,19 +7444,16 @@
           </p:nvPr>
         </p:nvPicPr>
         <p:blipFill>
-          <a:blip r:embed="rId2">
-            <a:extLst>
-              <a:ext uri="{28A0092B-C50C-407E-A947-70E740481C1C}">
-                <a14:useLocalDpi xmlns:a14="http://schemas.microsoft.com/office/drawing/2010/main" val="0"/>
-              </a:ext>
-            </a:extLst>
-          </a:blip>
-          <a:srcRect l="-22482" r="-22482"/>
-          <a:stretch>
-            <a:fillRect/>
-          </a:stretch>
+          <a:blip r:embed="rId2"/>
+          <a:srcRect/>
+          <a:stretch/>
         </p:blipFill>
-        <p:spPr/>
+        <p:spPr>
+          <a:xfrm>
+            <a:off x="1992360" y="1770066"/>
+            <a:ext cx="6089563" cy="4989513"/>
+          </a:xfrm>
+        </p:spPr>
       </p:pic>
     </p:spTree>
     <p:extLst>
@@ -7613,7 +7610,7 @@
           <a:effectLst/>
           <a:extLst>
             <a:ext uri="{909E8E84-426E-40dd-AFC4-6F175D3DCCD1}">
-              <a14:hiddenFill xmlns:a14="http://schemas.microsoft.com/office/drawing/2010/main" xmlns="">
+              <a14:hiddenFill xmlns="" xmlns:a14="http://schemas.microsoft.com/office/drawing/2010/main">
                 <a:blipFill dpi="0" rotWithShape="0">
                   <a:blip/>
                   <a:srcRect/>
@@ -7624,7 +7621,7 @@
               </a14:hiddenFill>
             </a:ext>
             <a:ext uri="{91240B29-F687-4f45-9708-019B960494DF}">
-              <a14:hiddenLine xmlns:a14="http://schemas.microsoft.com/office/drawing/2010/main" xmlns="" w="9525">
+              <a14:hiddenLine xmlns="" xmlns:a14="http://schemas.microsoft.com/office/drawing/2010/main" w="9525">
                 <a:solidFill>
                   <a:srgbClr val="000000"/>
                 </a:solidFill>
@@ -7634,7 +7631,7 @@
               </a14:hiddenLine>
             </a:ext>
             <a:ext uri="{AF507438-7753-43e0-B8FC-AC1667EBCBE1}">
-              <a14:hiddenEffects xmlns:a14="http://schemas.microsoft.com/office/drawing/2010/main" xmlns="">
+              <a14:hiddenEffects xmlns="" xmlns:a14="http://schemas.microsoft.com/office/drawing/2010/main">
                 <a:effectLst>
                   <a:outerShdw blurRad="63500" dist="38099" dir="2700000" algn="ctr" rotWithShape="0">
                     <a:srgbClr val="000000">
@@ -7675,12 +7672,12 @@
           <a:effectLst/>
           <a:extLst>
             <a:ext uri="{909E8E84-426E-40dd-AFC4-6F175D3DCCD1}">
-              <a14:hiddenFill xmlns:a14="http://schemas.microsoft.com/office/drawing/2010/main" xmlns="">
+              <a14:hiddenFill xmlns="" xmlns:a14="http://schemas.microsoft.com/office/drawing/2010/main">
                 <a:noFill/>
               </a14:hiddenFill>
             </a:ext>
             <a:ext uri="{AF507438-7753-43e0-B8FC-AC1667EBCBE1}">
-              <a14:hiddenEffects xmlns:a14="http://schemas.microsoft.com/office/drawing/2010/main" xmlns="">
+              <a14:hiddenEffects xmlns="" xmlns:a14="http://schemas.microsoft.com/office/drawing/2010/main">
                 <a:effectLst>
                   <a:outerShdw blurRad="63500" dist="38099" dir="2700000" algn="ctr" rotWithShape="0">
                     <a:srgbClr val="000000">
@@ -7736,7 +7733,7 @@
           <a:effectLst/>
           <a:extLst>
             <a:ext uri="{909E8E84-426E-40dd-AFC4-6F175D3DCCD1}">
-              <a14:hiddenFill xmlns:a14="http://schemas.microsoft.com/office/drawing/2010/main" xmlns="">
+              <a14:hiddenFill xmlns="" xmlns:a14="http://schemas.microsoft.com/office/drawing/2010/main">
                 <a:blipFill dpi="0" rotWithShape="0">
                   <a:blip/>
                   <a:srcRect/>
@@ -7747,7 +7744,7 @@
               </a14:hiddenFill>
             </a:ext>
             <a:ext uri="{91240B29-F687-4f45-9708-019B960494DF}">
-              <a14:hiddenLine xmlns:a14="http://schemas.microsoft.com/office/drawing/2010/main" xmlns="" w="9525">
+              <a14:hiddenLine xmlns="" xmlns:a14="http://schemas.microsoft.com/office/drawing/2010/main" w="9525">
                 <a:solidFill>
                   <a:srgbClr val="000000"/>
                 </a:solidFill>
@@ -7757,7 +7754,7 @@
               </a14:hiddenLine>
             </a:ext>
             <a:ext uri="{AF507438-7753-43e0-B8FC-AC1667EBCBE1}">
-              <a14:hiddenEffects xmlns:a14="http://schemas.microsoft.com/office/drawing/2010/main" xmlns="">
+              <a14:hiddenEffects xmlns="" xmlns:a14="http://schemas.microsoft.com/office/drawing/2010/main">
                 <a:effectLst>
                   <a:outerShdw blurRad="63500" dist="38099" dir="2700000" algn="ctr" rotWithShape="0">
                     <a:srgbClr val="000000">
@@ -7908,7 +7905,7 @@
           <a:effectLst/>
           <a:extLst>
             <a:ext uri="{909E8E84-426E-40dd-AFC4-6F175D3DCCD1}">
-              <a14:hiddenFill xmlns:a14="http://schemas.microsoft.com/office/drawing/2010/main" xmlns="">
+              <a14:hiddenFill xmlns="" xmlns:a14="http://schemas.microsoft.com/office/drawing/2010/main">
                 <a:blipFill dpi="0" rotWithShape="0">
                   <a:blip/>
                   <a:srcRect/>
@@ -7919,7 +7916,7 @@
               </a14:hiddenFill>
             </a:ext>
             <a:ext uri="{91240B29-F687-4f45-9708-019B960494DF}">
-              <a14:hiddenLine xmlns:a14="http://schemas.microsoft.com/office/drawing/2010/main" xmlns="" w="9525">
+              <a14:hiddenLine xmlns="" xmlns:a14="http://schemas.microsoft.com/office/drawing/2010/main" w="9525">
                 <a:solidFill>
                   <a:srgbClr val="000000"/>
                 </a:solidFill>
@@ -7929,7 +7926,7 @@
               </a14:hiddenLine>
             </a:ext>
             <a:ext uri="{AF507438-7753-43e0-B8FC-AC1667EBCBE1}">
-              <a14:hiddenEffects xmlns:a14="http://schemas.microsoft.com/office/drawing/2010/main" xmlns="">
+              <a14:hiddenEffects xmlns="" xmlns:a14="http://schemas.microsoft.com/office/drawing/2010/main">
                 <a:effectLst>
                   <a:outerShdw blurRad="63500" dist="38099" dir="2700000" algn="ctr" rotWithShape="0">
                     <a:srgbClr val="000000">
@@ -8058,7 +8055,7 @@
           <a:effectLst/>
           <a:extLst>
             <a:ext uri="{909E8E84-426E-40dd-AFC4-6F175D3DCCD1}">
-              <a14:hiddenFill xmlns:a14="http://schemas.microsoft.com/office/drawing/2010/main" xmlns="">
+              <a14:hiddenFill xmlns="" xmlns:a14="http://schemas.microsoft.com/office/drawing/2010/main">
                 <a:blipFill dpi="0" rotWithShape="0">
                   <a:blip/>
                   <a:srcRect/>
@@ -8069,7 +8066,7 @@
               </a14:hiddenFill>
             </a:ext>
             <a:ext uri="{91240B29-F687-4f45-9708-019B960494DF}">
-              <a14:hiddenLine xmlns:a14="http://schemas.microsoft.com/office/drawing/2010/main" xmlns="" w="9525">
+              <a14:hiddenLine xmlns="" xmlns:a14="http://schemas.microsoft.com/office/drawing/2010/main" w="9525">
                 <a:solidFill>
                   <a:srgbClr val="000000"/>
                 </a:solidFill>
@@ -8079,7 +8076,7 @@
               </a14:hiddenLine>
             </a:ext>
             <a:ext uri="{AF507438-7753-43e0-B8FC-AC1667EBCBE1}">
-              <a14:hiddenEffects xmlns:a14="http://schemas.microsoft.com/office/drawing/2010/main" xmlns="">
+              <a14:hiddenEffects xmlns="" xmlns:a14="http://schemas.microsoft.com/office/drawing/2010/main">
                 <a:effectLst>
                   <a:outerShdw blurRad="63500" dist="38099" dir="2700000" algn="ctr" rotWithShape="0">
                     <a:srgbClr val="000000">
